--- a/1_GettingStarted/OpenModelica_Tutorials_1.pptx
+++ b/1_GettingStarted/OpenModelica_Tutorials_1.pptx
@@ -243,7 +243,7 @@
           <a:p>
             <a:fld id="{4AF2C950-F42E-48AF-9429-51026B200D3A}" type="datetimeFigureOut">
               <a:rPr kumimoji="1" lang="ja-JP" altLang="en-US" smtClean="0"/>
-              <a:t>2020/4/9</a:t>
+              <a:t>2020/4/10</a:t>
             </a:fld>
             <a:endParaRPr kumimoji="1" lang="ja-JP" altLang="en-US"/>
           </a:p>
@@ -421,7 +421,7 @@
           <a:p>
             <a:fld id="{75CB8908-C50A-4902-8524-83A8A5B0A21E}" type="datetimeFigureOut">
               <a:rPr kumimoji="1" lang="ja-JP" altLang="en-US" smtClean="0"/>
-              <a:t>2020/4/9</a:t>
+              <a:t>2020/4/10</a:t>
             </a:fld>
             <a:endParaRPr kumimoji="1" lang="ja-JP" altLang="en-US"/>
           </a:p>
@@ -868,7 +868,7 @@
           <a:p>
             <a:fld id="{D54EB23E-8629-4EA7-AC2F-434CC3AC2923}" type="datetime1">
               <a:rPr kumimoji="1" lang="ja-JP" altLang="en-US" smtClean="0"/>
-              <a:t>2020/4/9</a:t>
+              <a:t>2020/4/10</a:t>
             </a:fld>
             <a:endParaRPr kumimoji="1" lang="ja-JP" altLang="en-US"/>
           </a:p>
@@ -1098,7 +1098,7 @@
           <a:p>
             <a:fld id="{A235C89C-FF14-4C3F-96BC-6339D74F586C}" type="datetime1">
               <a:rPr kumimoji="1" lang="ja-JP" altLang="en-US" smtClean="0"/>
-              <a:t>2020/4/9</a:t>
+              <a:t>2020/4/10</a:t>
             </a:fld>
             <a:endParaRPr kumimoji="1" lang="ja-JP" altLang="en-US"/>
           </a:p>
@@ -1338,7 +1338,7 @@
           <a:p>
             <a:fld id="{BEDC3DC5-6AA9-4AC5-A91D-36D3F132078A}" type="datetime1">
               <a:rPr kumimoji="1" lang="ja-JP" altLang="en-US" smtClean="0"/>
-              <a:t>2020/4/9</a:t>
+              <a:t>2020/4/10</a:t>
             </a:fld>
             <a:endParaRPr kumimoji="1" lang="ja-JP" altLang="en-US"/>
           </a:p>
@@ -1568,7 +1568,7 @@
           <a:p>
             <a:fld id="{D669C662-03D9-46D5-B0D1-07F4A76593B7}" type="datetime1">
               <a:rPr kumimoji="1" lang="ja-JP" altLang="en-US" smtClean="0"/>
-              <a:t>2020/4/9</a:t>
+              <a:t>2020/4/10</a:t>
             </a:fld>
             <a:endParaRPr kumimoji="1" lang="ja-JP" altLang="en-US"/>
           </a:p>
@@ -1843,7 +1843,7 @@
           <a:p>
             <a:fld id="{07CCFAC8-C0FC-4608-8398-CAB22C442189}" type="datetime1">
               <a:rPr kumimoji="1" lang="ja-JP" altLang="en-US" smtClean="0"/>
-              <a:t>2020/4/9</a:t>
+              <a:t>2020/4/10</a:t>
             </a:fld>
             <a:endParaRPr kumimoji="1" lang="ja-JP" altLang="en-US"/>
           </a:p>
@@ -2172,7 +2172,7 @@
           <a:p>
             <a:fld id="{6B754A5E-56A4-40CF-B440-4E04CE6F1EC9}" type="datetime1">
               <a:rPr kumimoji="1" lang="ja-JP" altLang="en-US" smtClean="0"/>
-              <a:t>2020/4/9</a:t>
+              <a:t>2020/4/10</a:t>
             </a:fld>
             <a:endParaRPr kumimoji="1" lang="ja-JP" altLang="en-US"/>
           </a:p>
@@ -2648,7 +2648,7 @@
           <a:p>
             <a:fld id="{042E28B5-A17D-47EC-BC16-AD65AD910F7A}" type="datetime1">
               <a:rPr kumimoji="1" lang="ja-JP" altLang="en-US" smtClean="0"/>
-              <a:t>2020/4/9</a:t>
+              <a:t>2020/4/10</a:t>
             </a:fld>
             <a:endParaRPr kumimoji="1" lang="ja-JP" altLang="en-US"/>
           </a:p>
@@ -2789,7 +2789,7 @@
           <a:p>
             <a:fld id="{29CF535B-E6AB-4589-A4C4-B0674D6C3C56}" type="datetime1">
               <a:rPr kumimoji="1" lang="ja-JP" altLang="en-US" smtClean="0"/>
-              <a:t>2020/4/9</a:t>
+              <a:t>2020/4/10</a:t>
             </a:fld>
             <a:endParaRPr kumimoji="1" lang="ja-JP" altLang="en-US"/>
           </a:p>
@@ -2902,7 +2902,7 @@
           <a:p>
             <a:fld id="{FBE19558-76BE-48E3-8CD2-480AB7D9F745}" type="datetime1">
               <a:rPr kumimoji="1" lang="ja-JP" altLang="en-US" smtClean="0"/>
-              <a:t>2020/4/9</a:t>
+              <a:t>2020/4/10</a:t>
             </a:fld>
             <a:endParaRPr kumimoji="1" lang="ja-JP" altLang="en-US"/>
           </a:p>
@@ -3245,7 +3245,7 @@
           <a:p>
             <a:fld id="{3C40CF6C-05DA-4580-9B84-A8EF3232EE7C}" type="datetime1">
               <a:rPr kumimoji="1" lang="ja-JP" altLang="en-US" smtClean="0"/>
-              <a:t>2020/4/9</a:t>
+              <a:t>2020/4/10</a:t>
             </a:fld>
             <a:endParaRPr kumimoji="1" lang="ja-JP" altLang="en-US"/>
           </a:p>
@@ -3533,7 +3533,7 @@
           <a:p>
             <a:fld id="{183BEF93-9F42-4F75-89F4-26ADF85B0261}" type="datetime1">
               <a:rPr kumimoji="1" lang="ja-JP" altLang="en-US" smtClean="0"/>
-              <a:t>2020/4/9</a:t>
+              <a:t>2020/4/10</a:t>
             </a:fld>
             <a:endParaRPr kumimoji="1" lang="ja-JP" altLang="en-US"/>
           </a:p>
@@ -3806,7 +3806,7 @@
           <a:p>
             <a:fld id="{AF2879AA-DF14-4E1F-8D4E-2F9F37F6C42A}" type="datetime1">
               <a:rPr kumimoji="1" lang="ja-JP" altLang="en-US" smtClean="0"/>
-              <a:t>2020/4/9</a:t>
+              <a:t>2020/4/10</a:t>
             </a:fld>
             <a:endParaRPr kumimoji="1" lang="ja-JP" altLang="en-US"/>
           </a:p>
@@ -4407,6 +4407,13 @@
   <p:clrMapOvr>
     <a:masterClrMapping/>
   </p:clrMapOvr>
+  <p:timing>
+    <p:tnLst>
+      <p:par>
+        <p:cTn id="1" dur="indefinite" restart="never" nodeType="tmRoot"/>
+      </p:par>
+    </p:tnLst>
+  </p:timing>
 </p:sld>
 </file>
 
@@ -4595,7 +4602,7 @@
           </a:ln>
           <a:extLst>
             <a:ext uri="{C572A759-6A51-4108-AA02-DFA0A04FC94B}">
-              <ma14:wrappingTextBoxFlag xmlns="" xmlns:ma14="http://schemas.microsoft.com/office/mac/drawingml/2011/main" val="1"/>
+              <ma14:wrappingTextBoxFlag xmlns:ma14="http://schemas.microsoft.com/office/mac/drawingml/2011/main" xmlns="" val="1"/>
             </a:ext>
           </a:extLst>
         </p:spPr>
@@ -4708,6 +4715,13 @@
   <p:clrMapOvr>
     <a:masterClrMapping/>
   </p:clrMapOvr>
+  <p:timing>
+    <p:tnLst>
+      <p:par>
+        <p:cTn id="1" dur="indefinite" restart="never" nodeType="tmRoot"/>
+      </p:par>
+    </p:tnLst>
+  </p:timing>
 </p:sld>
 </file>
 
@@ -4782,7 +4796,7 @@
           </a:ln>
           <a:extLst>
             <a:ext uri="{C572A759-6A51-4108-AA02-DFA0A04FC94B}">
-              <ma14:wrappingTextBoxFlag xmlns="" xmlns:ma14="http://schemas.microsoft.com/office/mac/drawingml/2011/main" val="1"/>
+              <ma14:wrappingTextBoxFlag xmlns:ma14="http://schemas.microsoft.com/office/mac/drawingml/2011/main" xmlns="" val="1"/>
             </a:ext>
           </a:extLst>
         </p:spPr>
@@ -5605,6 +5619,13 @@
   <p:clrMapOvr>
     <a:masterClrMapping/>
   </p:clrMapOvr>
+  <p:timing>
+    <p:tnLst>
+      <p:par>
+        <p:cTn id="1" dur="indefinite" restart="never" nodeType="tmRoot"/>
+      </p:par>
+    </p:tnLst>
+  </p:timing>
 </p:sld>
 </file>
 
@@ -5674,7 +5695,7 @@
           </a:ln>
           <a:extLst>
             <a:ext uri="{C572A759-6A51-4108-AA02-DFA0A04FC94B}">
-              <ma14:wrappingTextBoxFlag xmlns="" xmlns:ma14="http://schemas.microsoft.com/office/mac/drawingml/2011/main" val="1"/>
+              <ma14:wrappingTextBoxFlag xmlns:ma14="http://schemas.microsoft.com/office/mac/drawingml/2011/main" xmlns="" val="1"/>
             </a:ext>
           </a:extLst>
         </p:spPr>
@@ -6350,6 +6371,13 @@
   <p:clrMapOvr>
     <a:masterClrMapping/>
   </p:clrMapOvr>
+  <p:timing>
+    <p:tnLst>
+      <p:par>
+        <p:cTn id="1" dur="indefinite" restart="never" nodeType="tmRoot"/>
+      </p:par>
+    </p:tnLst>
+  </p:timing>
 </p:sld>
 </file>
 
@@ -6419,7 +6447,7 @@
           </a:ln>
           <a:extLst>
             <a:ext uri="{C572A759-6A51-4108-AA02-DFA0A04FC94B}">
-              <ma14:wrappingTextBoxFlag xmlns="" xmlns:ma14="http://schemas.microsoft.com/office/mac/drawingml/2011/main" val="1"/>
+              <ma14:wrappingTextBoxFlag xmlns:ma14="http://schemas.microsoft.com/office/mac/drawingml/2011/main" xmlns="" val="1"/>
             </a:ext>
           </a:extLst>
         </p:spPr>
@@ -6910,6 +6938,13 @@
   <p:clrMapOvr>
     <a:masterClrMapping/>
   </p:clrMapOvr>
+  <p:timing>
+    <p:tnLst>
+      <p:par>
+        <p:cTn id="1" dur="indefinite" restart="never" nodeType="tmRoot"/>
+      </p:par>
+    </p:tnLst>
+  </p:timing>
 </p:sld>
 </file>
 
@@ -6979,7 +7014,7 @@
           </a:ln>
           <a:extLst>
             <a:ext uri="{C572A759-6A51-4108-AA02-DFA0A04FC94B}">
-              <ma14:wrappingTextBoxFlag xmlns="" xmlns:ma14="http://schemas.microsoft.com/office/mac/drawingml/2011/main" val="1"/>
+              <ma14:wrappingTextBoxFlag xmlns:ma14="http://schemas.microsoft.com/office/mac/drawingml/2011/main" xmlns="" val="1"/>
             </a:ext>
           </a:extLst>
         </p:spPr>
@@ -7463,6 +7498,13 @@
   <p:clrMapOvr>
     <a:masterClrMapping/>
   </p:clrMapOvr>
+  <p:timing>
+    <p:tnLst>
+      <p:par>
+        <p:cTn id="1" dur="indefinite" restart="never" nodeType="tmRoot"/>
+      </p:par>
+    </p:tnLst>
+  </p:timing>
 </p:sld>
 </file>
 
@@ -7561,7 +7603,7 @@
           </a:ln>
           <a:extLst>
             <a:ext uri="{C572A759-6A51-4108-AA02-DFA0A04FC94B}">
-              <ma14:wrappingTextBoxFlag xmlns="" xmlns:ma14="http://schemas.microsoft.com/office/mac/drawingml/2011/main" val="1"/>
+              <ma14:wrappingTextBoxFlag xmlns:ma14="http://schemas.microsoft.com/office/mac/drawingml/2011/main" xmlns="" val="1"/>
             </a:ext>
           </a:extLst>
         </p:spPr>
@@ -7737,7 +7779,15 @@
           <a:p>
             <a:r>
               <a:rPr lang="ja-JP" altLang="en-US" dirty="0" smtClean="0"/>
-              <a:t>「終了時刻」はモデル内で経過する計算を示しています。</a:t>
+              <a:t>「終了時刻」はモデル内で経過</a:t>
+            </a:r>
+            <a:r>
+              <a:rPr lang="ja-JP" altLang="en-US" dirty="0" smtClean="0"/>
+              <a:t>する時間を</a:t>
+            </a:r>
+            <a:r>
+              <a:rPr lang="ja-JP" altLang="en-US" dirty="0" smtClean="0"/>
+              <a:t>示しています。</a:t>
             </a:r>
             <a:endParaRPr kumimoji="1" lang="en-US" altLang="ja-JP" dirty="0"/>
           </a:p>
@@ -7894,6 +7944,13 @@
   <p:clrMapOvr>
     <a:masterClrMapping/>
   </p:clrMapOvr>
+  <p:timing>
+    <p:tnLst>
+      <p:par>
+        <p:cTn id="1" dur="indefinite" restart="never" nodeType="tmRoot"/>
+      </p:par>
+    </p:tnLst>
+  </p:timing>
 </p:sld>
 </file>
 
@@ -7992,7 +8049,7 @@
           </a:ln>
           <a:extLst>
             <a:ext uri="{C572A759-6A51-4108-AA02-DFA0A04FC94B}">
-              <ma14:wrappingTextBoxFlag xmlns="" xmlns:ma14="http://schemas.microsoft.com/office/mac/drawingml/2011/main" val="1"/>
+              <ma14:wrappingTextBoxFlag xmlns:ma14="http://schemas.microsoft.com/office/mac/drawingml/2011/main" xmlns="" val="1"/>
             </a:ext>
           </a:extLst>
         </p:spPr>
@@ -8314,6 +8371,13 @@
   <p:clrMapOvr>
     <a:masterClrMapping/>
   </p:clrMapOvr>
+  <p:timing>
+    <p:tnLst>
+      <p:par>
+        <p:cTn id="1" dur="indefinite" restart="never" nodeType="tmRoot"/>
+      </p:par>
+    </p:tnLst>
+  </p:timing>
 </p:sld>
 </file>
 
@@ -8359,7 +8423,7 @@
           </a:ln>
           <a:extLst>
             <a:ext uri="{C572A759-6A51-4108-AA02-DFA0A04FC94B}">
-              <ma14:wrappingTextBoxFlag xmlns="" xmlns:ma14="http://schemas.microsoft.com/office/mac/drawingml/2011/main" val="1"/>
+              <ma14:wrappingTextBoxFlag xmlns:ma14="http://schemas.microsoft.com/office/mac/drawingml/2011/main" xmlns="" val="1"/>
             </a:ext>
           </a:extLst>
         </p:spPr>
@@ -8694,6 +8758,13 @@
   <p:clrMapOvr>
     <a:masterClrMapping/>
   </p:clrMapOvr>
+  <p:timing>
+    <p:tnLst>
+      <p:par>
+        <p:cTn id="1" dur="indefinite" restart="never" nodeType="tmRoot"/>
+      </p:par>
+    </p:tnLst>
+  </p:timing>
 </p:sld>
 </file>
 
@@ -8763,7 +8834,7 @@
           </a:ln>
           <a:extLst>
             <a:ext uri="{C572A759-6A51-4108-AA02-DFA0A04FC94B}">
-              <ma14:wrappingTextBoxFlag xmlns="" xmlns:ma14="http://schemas.microsoft.com/office/mac/drawingml/2011/main" val="1"/>
+              <ma14:wrappingTextBoxFlag xmlns:ma14="http://schemas.microsoft.com/office/mac/drawingml/2011/main" xmlns="" val="1"/>
             </a:ext>
           </a:extLst>
         </p:spPr>
@@ -9101,6 +9172,13 @@
   <p:clrMapOvr>
     <a:masterClrMapping/>
   </p:clrMapOvr>
+  <p:timing>
+    <p:tnLst>
+      <p:par>
+        <p:cTn id="1" dur="indefinite" restart="never" nodeType="tmRoot"/>
+      </p:par>
+    </p:tnLst>
+  </p:timing>
 </p:sld>
 </file>
 
@@ -9325,6 +9403,13 @@
   <p:clrMapOvr>
     <a:masterClrMapping/>
   </p:clrMapOvr>
+  <p:timing>
+    <p:tnLst>
+      <p:par>
+        <p:cTn id="1" dur="indefinite" restart="never" nodeType="tmRoot"/>
+      </p:par>
+    </p:tnLst>
+  </p:timing>
 </p:sld>
 </file>
 
@@ -9364,7 +9449,7 @@
           </a:ln>
           <a:extLst>
             <a:ext uri="{C572A759-6A51-4108-AA02-DFA0A04FC94B}">
-              <ma14:wrappingTextBoxFlag xmlns="" xmlns:ma14="http://schemas.microsoft.com/office/mac/drawingml/2011/main" val="1"/>
+              <ma14:wrappingTextBoxFlag xmlns:ma14="http://schemas.microsoft.com/office/mac/drawingml/2011/main" xmlns="" val="1"/>
             </a:ext>
           </a:extLst>
         </p:spPr>
@@ -9827,6 +9912,13 @@
   <p:clrMapOvr>
     <a:masterClrMapping/>
   </p:clrMapOvr>
+  <p:timing>
+    <p:tnLst>
+      <p:par>
+        <p:cTn id="1" dur="indefinite" restart="never" nodeType="tmRoot"/>
+      </p:par>
+    </p:tnLst>
+  </p:timing>
 </p:sld>
 </file>
 
@@ -9866,7 +9958,7 @@
           </a:ln>
           <a:extLst>
             <a:ext uri="{C572A759-6A51-4108-AA02-DFA0A04FC94B}">
-              <ma14:wrappingTextBoxFlag xmlns="" xmlns:ma14="http://schemas.microsoft.com/office/mac/drawingml/2011/main" val="1"/>
+              <ma14:wrappingTextBoxFlag xmlns:ma14="http://schemas.microsoft.com/office/mac/drawingml/2011/main" xmlns="" val="1"/>
             </a:ext>
           </a:extLst>
         </p:spPr>
@@ -10414,6 +10506,13 @@
   <p:clrMapOvr>
     <a:masterClrMapping/>
   </p:clrMapOvr>
+  <p:timing>
+    <p:tnLst>
+      <p:par>
+        <p:cTn id="1" dur="indefinite" restart="never" nodeType="tmRoot"/>
+      </p:par>
+    </p:tnLst>
+  </p:timing>
 </p:sld>
 </file>
 
@@ -10459,7 +10558,7 @@
           </a:ln>
           <a:extLst>
             <a:ext uri="{C572A759-6A51-4108-AA02-DFA0A04FC94B}">
-              <ma14:wrappingTextBoxFlag xmlns="" xmlns:ma14="http://schemas.microsoft.com/office/mac/drawingml/2011/main" val="1"/>
+              <ma14:wrappingTextBoxFlag xmlns:ma14="http://schemas.microsoft.com/office/mac/drawingml/2011/main" xmlns="" val="1"/>
             </a:ext>
           </a:extLst>
         </p:spPr>
@@ -10974,6 +11073,13 @@
   <p:clrMapOvr>
     <a:masterClrMapping/>
   </p:clrMapOvr>
+  <p:timing>
+    <p:tnLst>
+      <p:par>
+        <p:cTn id="1" dur="indefinite" restart="never" nodeType="tmRoot"/>
+      </p:par>
+    </p:tnLst>
+  </p:timing>
 </p:sld>
 </file>
 
@@ -11019,7 +11125,7 @@
           </a:ln>
           <a:extLst>
             <a:ext uri="{C572A759-6A51-4108-AA02-DFA0A04FC94B}">
-              <ma14:wrappingTextBoxFlag xmlns="" xmlns:ma14="http://schemas.microsoft.com/office/mac/drawingml/2011/main" val="1"/>
+              <ma14:wrappingTextBoxFlag xmlns:ma14="http://schemas.microsoft.com/office/mac/drawingml/2011/main" xmlns="" val="1"/>
             </a:ext>
           </a:extLst>
         </p:spPr>
@@ -11214,6 +11320,13 @@
   <p:clrMapOvr>
     <a:masterClrMapping/>
   </p:clrMapOvr>
+  <p:timing>
+    <p:tnLst>
+      <p:par>
+        <p:cTn id="1" dur="indefinite" restart="never" nodeType="tmRoot"/>
+      </p:par>
+    </p:tnLst>
+  </p:timing>
 </p:sld>
 </file>
 
@@ -11259,7 +11372,7 @@
           </a:ln>
           <a:extLst>
             <a:ext uri="{C572A759-6A51-4108-AA02-DFA0A04FC94B}">
-              <ma14:wrappingTextBoxFlag xmlns="" xmlns:ma14="http://schemas.microsoft.com/office/mac/drawingml/2011/main" val="1"/>
+              <ma14:wrappingTextBoxFlag xmlns:ma14="http://schemas.microsoft.com/office/mac/drawingml/2011/main" xmlns="" val="1"/>
             </a:ext>
           </a:extLst>
         </p:spPr>
@@ -11366,15 +11479,7 @@
           <a:p>
             <a:r>
               <a:rPr kumimoji="1" lang="ja-JP" altLang="en-US" dirty="0" smtClean="0"/>
-              <a:t>練習問題として以下のようなバネの振動を計算</a:t>
-            </a:r>
-            <a:r>
-              <a:rPr kumimoji="1" lang="ja-JP" altLang="en-US" dirty="0" smtClean="0"/>
-              <a:t>します</a:t>
-            </a:r>
-            <a:r>
-              <a:rPr kumimoji="1" lang="ja-JP" altLang="en-US" dirty="0" smtClean="0"/>
-              <a:t>。</a:t>
+              <a:t>練習問題として以下のようなバネの振動を計算します。</a:t>
             </a:r>
             <a:endParaRPr kumimoji="1" lang="ja-JP" altLang="en-US" dirty="0"/>
           </a:p>
@@ -14098,11 +14203,7 @@
             </a:r>
             <a:r>
               <a:rPr lang="ja-JP" altLang="en-US" dirty="0" smtClean="0"/>
-              <a:t>引っ張った状態から手</a:t>
-            </a:r>
-            <a:r>
-              <a:rPr lang="ja-JP" altLang="en-US" dirty="0" smtClean="0"/>
-              <a:t>を離す</a:t>
+              <a:t>引っ張った状態から手を離す</a:t>
             </a:r>
             <a:endParaRPr kumimoji="1" lang="ja-JP" altLang="en-US" dirty="0"/>
           </a:p>
@@ -14365,6 +14466,13 @@
   <p:clrMapOvr>
     <a:masterClrMapping/>
   </p:clrMapOvr>
+  <p:timing>
+    <p:tnLst>
+      <p:par>
+        <p:cTn id="1" dur="indefinite" restart="never" nodeType="tmRoot"/>
+      </p:par>
+    </p:tnLst>
+  </p:timing>
 </p:sld>
 </file>
 
@@ -14463,7 +14571,7 @@
           </a:ln>
           <a:extLst>
             <a:ext uri="{C572A759-6A51-4108-AA02-DFA0A04FC94B}">
-              <ma14:wrappingTextBoxFlag xmlns="" xmlns:ma14="http://schemas.microsoft.com/office/mac/drawingml/2011/main" val="1"/>
+              <ma14:wrappingTextBoxFlag xmlns:ma14="http://schemas.microsoft.com/office/mac/drawingml/2011/main" xmlns="" val="1"/>
             </a:ext>
           </a:extLst>
         </p:spPr>
@@ -15094,6 +15202,13 @@
   <p:clrMapOvr>
     <a:masterClrMapping/>
   </p:clrMapOvr>
+  <p:timing>
+    <p:tnLst>
+      <p:par>
+        <p:cTn id="1" dur="indefinite" restart="never" nodeType="tmRoot"/>
+      </p:par>
+    </p:tnLst>
+  </p:timing>
 </p:sld>
 </file>
 
@@ -15114,29 +15229,6 @@
           <a:chExt cx="0" cy="0"/>
         </a:xfrm>
       </p:grpSpPr>
-      <p:pic>
-        <p:nvPicPr>
-          <p:cNvPr id="2" name="図 1"/>
-          <p:cNvPicPr>
-            <a:picLocks noChangeAspect="1"/>
-          </p:cNvPicPr>
-          <p:nvPr/>
-        </p:nvPicPr>
-        <p:blipFill rotWithShape="1">
-          <a:blip r:embed="rId2"/>
-          <a:srcRect l="843"/>
-          <a:stretch/>
-        </p:blipFill>
-        <p:spPr>
-          <a:xfrm>
-            <a:off x="3098908" y="1188171"/>
-            <a:ext cx="4651809" cy="5326070"/>
-          </a:xfrm>
-          <a:prstGeom prst="rect">
-            <a:avLst/>
-          </a:prstGeom>
-        </p:spPr>
-      </p:pic>
       <p:sp>
         <p:nvSpPr>
           <p:cNvPr id="4" name="Shape 130">
@@ -15162,7 +15254,7 @@
           </a:ln>
           <a:extLst>
             <a:ext uri="{C572A759-6A51-4108-AA02-DFA0A04FC94B}">
-              <ma14:wrappingTextBoxFlag xmlns="" xmlns:ma14="http://schemas.microsoft.com/office/mac/drawingml/2011/main" val="1"/>
+              <ma14:wrappingTextBoxFlag xmlns:ma14="http://schemas.microsoft.com/office/mac/drawingml/2011/main" xmlns="" val="1"/>
             </a:ext>
           </a:extLst>
         </p:spPr>
@@ -15193,63 +15285,10 @@
       </p:sp>
       <p:sp>
         <p:nvSpPr>
-          <p:cNvPr id="5" name="矢印: 下カーブ 4">
-            <a:extLst>
-              <a:ext uri="{FF2B5EF4-FFF2-40B4-BE49-F238E27FC236}">
-                <a16:creationId xmlns:a16="http://schemas.microsoft.com/office/drawing/2014/main" id="{34DB65BD-CA22-41B5-A950-71E9EEA6C881}"/>
-              </a:ext>
-            </a:extLst>
-          </p:cNvPr>
-          <p:cNvSpPr/>
-          <p:nvPr/>
-        </p:nvSpPr>
-        <p:spPr>
-          <a:xfrm rot="20988490">
-            <a:off x="4391065" y="5500371"/>
-            <a:ext cx="1270000" cy="425450"/>
-          </a:xfrm>
-          <a:prstGeom prst="curvedDownArrow">
-            <a:avLst/>
-          </a:prstGeom>
-          <a:solidFill>
-            <a:schemeClr val="tx1"/>
-          </a:solidFill>
-        </p:spPr>
-        <p:style>
-          <a:lnRef idx="2">
-            <a:schemeClr val="accent1">
-              <a:shade val="50000"/>
-            </a:schemeClr>
-          </a:lnRef>
-          <a:fillRef idx="1">
-            <a:schemeClr val="accent1"/>
-          </a:fillRef>
-          <a:effectRef idx="0">
-            <a:schemeClr val="accent1"/>
-          </a:effectRef>
-          <a:fontRef idx="minor">
-            <a:schemeClr val="lt1"/>
-          </a:fontRef>
-        </p:style>
-        <p:txBody>
-          <a:bodyPr rtlCol="0" anchor="ctr"/>
-          <a:lstStyle/>
-          <a:p>
-            <a:pPr algn="ctr"/>
-            <a:endParaRPr kumimoji="1" lang="ja-JP" altLang="en-US">
-              <a:solidFill>
-                <a:schemeClr val="tx1"/>
-              </a:solidFill>
-            </a:endParaRPr>
-          </a:p>
-        </p:txBody>
-      </p:sp>
-      <p:sp>
-        <p:nvSpPr>
-          <p:cNvPr id="7" name="テキスト ボックス 6">
-            <a:extLst>
-              <a:ext uri="{FF2B5EF4-FFF2-40B4-BE49-F238E27FC236}">
-                <a16:creationId xmlns:a16="http://schemas.microsoft.com/office/drawing/2014/main" id="{F8A02DFD-AE5C-474D-8938-67ECDF9E559C}"/>
+          <p:cNvPr id="8" name="テキスト ボックス 7">
+            <a:extLst>
+              <a:ext uri="{FF2B5EF4-FFF2-40B4-BE49-F238E27FC236}">
+                <a16:creationId xmlns:a16="http://schemas.microsoft.com/office/drawing/2014/main" id="{FB5B6FE5-2590-4CD9-AC74-E4EDC3B74BDB}"/>
               </a:ext>
             </a:extLst>
           </p:cNvPr>
@@ -15258,8 +15297,8 @@
         </p:nvSpPr>
         <p:spPr>
           <a:xfrm>
-            <a:off x="5083216" y="5087712"/>
-            <a:ext cx="2262158" cy="369332"/>
+            <a:off x="806450" y="742950"/>
+            <a:ext cx="9137438" cy="646331"/>
           </a:xfrm>
           <a:prstGeom prst="rect">
             <a:avLst/>
@@ -15273,51 +15312,31 @@
           <a:lstStyle/>
           <a:p>
             <a:r>
-              <a:rPr kumimoji="1" lang="ja-JP" altLang="en-US" dirty="0"/>
-              <a:t>ドラッグ＆ドロップ</a:t>
-            </a:r>
-          </a:p>
-        </p:txBody>
-      </p:sp>
-      <p:sp>
-        <p:nvSpPr>
-          <p:cNvPr id="8" name="テキスト ボックス 7">
-            <a:extLst>
-              <a:ext uri="{FF2B5EF4-FFF2-40B4-BE49-F238E27FC236}">
-                <a16:creationId xmlns:a16="http://schemas.microsoft.com/office/drawing/2014/main" id="{FB5B6FE5-2590-4CD9-AC74-E4EDC3B74BDB}"/>
-              </a:ext>
-            </a:extLst>
-          </p:cNvPr>
-          <p:cNvSpPr txBox="1"/>
-          <p:nvPr/>
-        </p:nvSpPr>
-        <p:spPr>
-          <a:xfrm>
-            <a:off x="806450" y="742950"/>
-            <a:ext cx="11187678" cy="369332"/>
-          </a:xfrm>
-          <a:prstGeom prst="rect">
-            <a:avLst/>
-          </a:prstGeom>
-          <a:noFill/>
-        </p:spPr>
-        <p:txBody>
-          <a:bodyPr wrap="none" rtlCol="0">
-            <a:spAutoFit/>
-          </a:bodyPr>
-          <a:lstStyle/>
-          <a:p>
-            <a:r>
               <a:rPr kumimoji="1" lang="en-US" altLang="ja-JP" dirty="0" err="1"/>
               <a:t>Modelica</a:t>
             </a:r>
             <a:r>
               <a:rPr kumimoji="1" lang="en-US" altLang="ja-JP" dirty="0"/>
-              <a:t> – Mechanics – Translational – Fixed</a:t>
+              <a:t> – Mechanics – Translational – </a:t>
+            </a:r>
+            <a:r>
+              <a:rPr kumimoji="1" lang="en-US" altLang="ja-JP" dirty="0" smtClean="0"/>
+              <a:t>Components - Fixed</a:t>
             </a:r>
             <a:r>
               <a:rPr kumimoji="1" lang="ja-JP" altLang="en-US" dirty="0"/>
-              <a:t>をダイアグラムビューへドラッグ</a:t>
+              <a:t>をダイアグラムビュー</a:t>
+            </a:r>
+            <a:r>
+              <a:rPr kumimoji="1" lang="ja-JP" altLang="en-US" dirty="0" smtClean="0"/>
+              <a:t>へ</a:t>
+            </a:r>
+            <a:endParaRPr kumimoji="1" lang="en-US" altLang="ja-JP" dirty="0" smtClean="0"/>
+          </a:p>
+          <a:p>
+            <a:r>
+              <a:rPr kumimoji="1" lang="ja-JP" altLang="en-US" dirty="0" smtClean="0"/>
+              <a:t>ドラッグ</a:t>
             </a:r>
             <a:r>
               <a:rPr kumimoji="1" lang="en-US" altLang="ja-JP" dirty="0"/>
@@ -15354,203 +15373,329 @@
           </a:p>
         </p:txBody>
       </p:sp>
-      <p:sp>
-        <p:nvSpPr>
-          <p:cNvPr id="10" name="楕円 9"/>
-          <p:cNvSpPr/>
+      <p:grpSp>
+        <p:nvGrpSpPr>
+          <p:cNvPr id="6" name="グループ化 5"/>
+          <p:cNvGrpSpPr/>
           <p:nvPr/>
-        </p:nvSpPr>
-        <p:spPr>
-          <a:xfrm>
-            <a:off x="3030220" y="2805430"/>
-            <a:ext cx="205740" cy="187960"/>
-          </a:xfrm>
-          <a:prstGeom prst="ellipse">
-            <a:avLst/>
-          </a:prstGeom>
-          <a:noFill/>
-          <a:ln>
+        </p:nvGrpSpPr>
+        <p:grpSpPr>
+          <a:xfrm>
+            <a:off x="881406" y="1435889"/>
+            <a:ext cx="7751748" cy="5078352"/>
+            <a:chOff x="503282" y="1188171"/>
+            <a:chExt cx="8129872" cy="5326070"/>
+          </a:xfrm>
+        </p:grpSpPr>
+        <p:pic>
+          <p:nvPicPr>
+            <p:cNvPr id="2" name="図 1"/>
+            <p:cNvPicPr>
+              <a:picLocks noChangeAspect="1"/>
+            </p:cNvPicPr>
+            <p:nvPr/>
+          </p:nvPicPr>
+          <p:blipFill rotWithShape="1">
+            <a:blip r:embed="rId2"/>
+            <a:srcRect l="843"/>
+            <a:stretch/>
+          </p:blipFill>
+          <p:spPr>
+            <a:xfrm>
+              <a:off x="3098908" y="1188171"/>
+              <a:ext cx="4651809" cy="5326070"/>
+            </a:xfrm>
+            <a:prstGeom prst="rect">
+              <a:avLst/>
+            </a:prstGeom>
+          </p:spPr>
+        </p:pic>
+        <p:sp>
+          <p:nvSpPr>
+            <p:cNvPr id="5" name="矢印: 下カーブ 4">
+              <a:extLst>
+                <a:ext uri="{FF2B5EF4-FFF2-40B4-BE49-F238E27FC236}">
+                  <a16:creationId xmlns:a16="http://schemas.microsoft.com/office/drawing/2014/main" id="{34DB65BD-CA22-41B5-A950-71E9EEA6C881}"/>
+                </a:ext>
+              </a:extLst>
+            </p:cNvPr>
+            <p:cNvSpPr/>
+            <p:nvPr/>
+          </p:nvSpPr>
+          <p:spPr>
+            <a:xfrm rot="20988490">
+              <a:off x="4391065" y="5500371"/>
+              <a:ext cx="1270000" cy="425450"/>
+            </a:xfrm>
+            <a:prstGeom prst="curvedDownArrow">
+              <a:avLst/>
+            </a:prstGeom>
             <a:solidFill>
-              <a:srgbClr val="FF0000"/>
+              <a:schemeClr val="tx1"/>
             </a:solidFill>
-          </a:ln>
-        </p:spPr>
-        <p:style>
-          <a:lnRef idx="2">
-            <a:schemeClr val="accent1">
-              <a:shade val="50000"/>
-            </a:schemeClr>
-          </a:lnRef>
-          <a:fillRef idx="1">
-            <a:schemeClr val="accent1"/>
-          </a:fillRef>
-          <a:effectRef idx="0">
-            <a:schemeClr val="accent1"/>
-          </a:effectRef>
-          <a:fontRef idx="minor">
-            <a:schemeClr val="lt1"/>
-          </a:fontRef>
-        </p:style>
-        <p:txBody>
-          <a:bodyPr rtlCol="0" anchor="ctr"/>
-          <a:lstStyle/>
-          <a:p>
-            <a:pPr algn="ctr"/>
-            <a:endParaRPr kumimoji="1" lang="ja-JP" altLang="en-US"/>
-          </a:p>
-        </p:txBody>
-      </p:sp>
-      <p:sp>
-        <p:nvSpPr>
-          <p:cNvPr id="11" name="テキスト ボックス 10"/>
-          <p:cNvSpPr txBox="1"/>
-          <p:nvPr/>
-        </p:nvSpPr>
-        <p:spPr>
-          <a:xfrm>
-            <a:off x="503282" y="2899410"/>
-            <a:ext cx="2361549" cy="923330"/>
-          </a:xfrm>
-          <a:prstGeom prst="rect">
-            <a:avLst/>
-          </a:prstGeom>
-          <a:noFill/>
-        </p:spPr>
-        <p:txBody>
-          <a:bodyPr wrap="square" rtlCol="0">
-            <a:spAutoFit/>
-          </a:bodyPr>
-          <a:lstStyle/>
-          <a:p>
-            <a:r>
-              <a:rPr kumimoji="1" lang="ja-JP" altLang="en-US" dirty="0" smtClean="0"/>
-              <a:t>「＋」をクリックすることで中身を開くことができます</a:t>
-            </a:r>
-            <a:endParaRPr kumimoji="1" lang="ja-JP" altLang="en-US" dirty="0"/>
-          </a:p>
-        </p:txBody>
-      </p:sp>
-      <p:cxnSp>
-        <p:nvCxnSpPr>
-          <p:cNvPr id="13" name="直線矢印コネクタ 12"/>
-          <p:cNvCxnSpPr>
-            <a:stCxn id="11" idx="3"/>
-            <a:endCxn id="10" idx="3"/>
-          </p:cNvCxnSpPr>
-          <p:nvPr/>
-        </p:nvCxnSpPr>
-        <p:spPr>
-          <a:xfrm flipV="1">
-            <a:off x="2864831" y="2965864"/>
-            <a:ext cx="195519" cy="395211"/>
-          </a:xfrm>
-          <a:prstGeom prst="straightConnector1">
-            <a:avLst/>
-          </a:prstGeom>
-          <a:ln w="19050">
-            <a:solidFill>
-              <a:srgbClr val="FF0000"/>
-            </a:solidFill>
-            <a:headEnd type="none" w="med" len="med"/>
-            <a:tailEnd type="triangle"/>
-          </a:ln>
-        </p:spPr>
-        <p:style>
-          <a:lnRef idx="1">
-            <a:schemeClr val="accent1"/>
-          </a:lnRef>
-          <a:fillRef idx="0">
-            <a:schemeClr val="accent1"/>
-          </a:fillRef>
-          <a:effectRef idx="0">
-            <a:schemeClr val="accent1"/>
-          </a:effectRef>
-          <a:fontRef idx="minor">
-            <a:schemeClr val="tx1"/>
-          </a:fontRef>
-        </p:style>
-      </p:cxnSp>
-      <p:sp>
-        <p:nvSpPr>
-          <p:cNvPr id="18" name="テキスト ボックス 17"/>
-          <p:cNvSpPr txBox="1"/>
-          <p:nvPr/>
-        </p:nvSpPr>
-        <p:spPr>
-          <a:xfrm>
-            <a:off x="6601829" y="5871475"/>
-            <a:ext cx="2031325" cy="369332"/>
-          </a:xfrm>
-          <a:prstGeom prst="rect">
-            <a:avLst/>
-          </a:prstGeom>
-          <a:noFill/>
-        </p:spPr>
-        <p:txBody>
-          <a:bodyPr wrap="none" rtlCol="0">
-            <a:spAutoFit/>
-          </a:bodyPr>
-          <a:lstStyle/>
-          <a:p>
-            <a:r>
-              <a:rPr kumimoji="1" lang="ja-JP" altLang="en-US" dirty="0" smtClean="0">
+          </p:spPr>
+          <p:style>
+            <a:lnRef idx="2">
+              <a:schemeClr val="accent1">
+                <a:shade val="50000"/>
+              </a:schemeClr>
+            </a:lnRef>
+            <a:fillRef idx="1">
+              <a:schemeClr val="accent1"/>
+            </a:fillRef>
+            <a:effectRef idx="0">
+              <a:schemeClr val="accent1"/>
+            </a:effectRef>
+            <a:fontRef idx="minor">
+              <a:schemeClr val="lt1"/>
+            </a:fontRef>
+          </p:style>
+          <p:txBody>
+            <a:bodyPr rtlCol="0" anchor="ctr"/>
+            <a:lstStyle/>
+            <a:p>
+              <a:pPr algn="ctr"/>
+              <a:endParaRPr kumimoji="1" lang="ja-JP" altLang="en-US">
+                <a:solidFill>
+                  <a:schemeClr val="tx1"/>
+                </a:solidFill>
+              </a:endParaRPr>
+            </a:p>
+          </p:txBody>
+        </p:sp>
+        <p:sp>
+          <p:nvSpPr>
+            <p:cNvPr id="7" name="テキスト ボックス 6">
+              <a:extLst>
+                <a:ext uri="{FF2B5EF4-FFF2-40B4-BE49-F238E27FC236}">
+                  <a16:creationId xmlns:a16="http://schemas.microsoft.com/office/drawing/2014/main" id="{F8A02DFD-AE5C-474D-8938-67ECDF9E559C}"/>
+                </a:ext>
+              </a:extLst>
+            </p:cNvPr>
+            <p:cNvSpPr txBox="1"/>
+            <p:nvPr/>
+          </p:nvSpPr>
+          <p:spPr>
+            <a:xfrm>
+              <a:off x="5083216" y="5087712"/>
+              <a:ext cx="2262158" cy="369332"/>
+            </a:xfrm>
+            <a:prstGeom prst="rect">
+              <a:avLst/>
+            </a:prstGeom>
+            <a:noFill/>
+          </p:spPr>
+          <p:txBody>
+            <a:bodyPr wrap="none" rtlCol="0">
+              <a:spAutoFit/>
+            </a:bodyPr>
+            <a:lstStyle/>
+            <a:p>
+              <a:r>
+                <a:rPr kumimoji="1" lang="ja-JP" altLang="en-US" dirty="0"/>
+                <a:t>ドラッグ＆ドロップ</a:t>
+              </a:r>
+            </a:p>
+          </p:txBody>
+        </p:sp>
+        <p:sp>
+          <p:nvSpPr>
+            <p:cNvPr id="10" name="楕円 9"/>
+            <p:cNvSpPr/>
+            <p:nvPr/>
+          </p:nvSpPr>
+          <p:spPr>
+            <a:xfrm>
+              <a:off x="3030220" y="2805430"/>
+              <a:ext cx="205740" cy="187960"/>
+            </a:xfrm>
+            <a:prstGeom prst="ellipse">
+              <a:avLst/>
+            </a:prstGeom>
+            <a:noFill/>
+            <a:ln>
+              <a:solidFill>
+                <a:srgbClr val="FF0000"/>
+              </a:solidFill>
+            </a:ln>
+          </p:spPr>
+          <p:style>
+            <a:lnRef idx="2">
+              <a:schemeClr val="accent1">
+                <a:shade val="50000"/>
+              </a:schemeClr>
+            </a:lnRef>
+            <a:fillRef idx="1">
+              <a:schemeClr val="accent1"/>
+            </a:fillRef>
+            <a:effectRef idx="0">
+              <a:schemeClr val="accent1"/>
+            </a:effectRef>
+            <a:fontRef idx="minor">
+              <a:schemeClr val="lt1"/>
+            </a:fontRef>
+          </p:style>
+          <p:txBody>
+            <a:bodyPr rtlCol="0" anchor="ctr"/>
+            <a:lstStyle/>
+            <a:p>
+              <a:pPr algn="ctr"/>
+              <a:endParaRPr kumimoji="1" lang="ja-JP" altLang="en-US"/>
+            </a:p>
+          </p:txBody>
+        </p:sp>
+        <p:sp>
+          <p:nvSpPr>
+            <p:cNvPr id="11" name="テキスト ボックス 10"/>
+            <p:cNvSpPr txBox="1"/>
+            <p:nvPr/>
+          </p:nvSpPr>
+          <p:spPr>
+            <a:xfrm>
+              <a:off x="503282" y="2899410"/>
+              <a:ext cx="2361549" cy="923330"/>
+            </a:xfrm>
+            <a:prstGeom prst="rect">
+              <a:avLst/>
+            </a:prstGeom>
+            <a:noFill/>
+          </p:spPr>
+          <p:txBody>
+            <a:bodyPr wrap="square" rtlCol="0">
+              <a:spAutoFit/>
+            </a:bodyPr>
+            <a:lstStyle/>
+            <a:p>
+              <a:r>
+                <a:rPr kumimoji="1" lang="ja-JP" altLang="en-US" dirty="0" smtClean="0"/>
+                <a:t>「＋」をクリックすることで中身を開くことができます</a:t>
+              </a:r>
+              <a:endParaRPr kumimoji="1" lang="ja-JP" altLang="en-US" dirty="0"/>
+            </a:p>
+          </p:txBody>
+        </p:sp>
+        <p:cxnSp>
+          <p:nvCxnSpPr>
+            <p:cNvPr id="13" name="直線矢印コネクタ 12"/>
+            <p:cNvCxnSpPr>
+              <a:stCxn id="11" idx="3"/>
+              <a:endCxn id="10" idx="3"/>
+            </p:cNvCxnSpPr>
+            <p:nvPr/>
+          </p:nvCxnSpPr>
+          <p:spPr>
+            <a:xfrm flipV="1">
+              <a:off x="2864831" y="2965864"/>
+              <a:ext cx="195519" cy="395211"/>
+            </a:xfrm>
+            <a:prstGeom prst="straightConnector1">
+              <a:avLst/>
+            </a:prstGeom>
+            <a:ln w="19050">
+              <a:solidFill>
+                <a:srgbClr val="FF0000"/>
+              </a:solidFill>
+              <a:headEnd type="none" w="med" len="med"/>
+              <a:tailEnd type="triangle"/>
+            </a:ln>
+          </p:spPr>
+          <p:style>
+            <a:lnRef idx="1">
+              <a:schemeClr val="accent1"/>
+            </a:lnRef>
+            <a:fillRef idx="0">
+              <a:schemeClr val="accent1"/>
+            </a:fillRef>
+            <a:effectRef idx="0">
+              <a:schemeClr val="accent1"/>
+            </a:effectRef>
+            <a:fontRef idx="minor">
+              <a:schemeClr val="tx1"/>
+            </a:fontRef>
+          </p:style>
+        </p:cxnSp>
+        <p:sp>
+          <p:nvSpPr>
+            <p:cNvPr id="18" name="テキスト ボックス 17"/>
+            <p:cNvSpPr txBox="1"/>
+            <p:nvPr/>
+          </p:nvSpPr>
+          <p:spPr>
+            <a:xfrm>
+              <a:off x="6601829" y="5871475"/>
+              <a:ext cx="2031325" cy="369332"/>
+            </a:xfrm>
+            <a:prstGeom prst="rect">
+              <a:avLst/>
+            </a:prstGeom>
+            <a:noFill/>
+          </p:spPr>
+          <p:txBody>
+            <a:bodyPr wrap="none" rtlCol="0">
+              <a:spAutoFit/>
+            </a:bodyPr>
+            <a:lstStyle/>
+            <a:p>
+              <a:r>
+                <a:rPr kumimoji="1" lang="ja-JP" altLang="en-US" dirty="0" smtClean="0">
+                  <a:solidFill>
+                    <a:schemeClr val="accent1">
+                      <a:lumMod val="75000"/>
+                    </a:schemeClr>
+                  </a:solidFill>
+                </a:rPr>
+                <a:t>「壁」を表します</a:t>
+              </a:r>
+              <a:endParaRPr kumimoji="1" lang="ja-JP" altLang="en-US" dirty="0">
                 <a:solidFill>
                   <a:schemeClr val="accent1">
                     <a:lumMod val="75000"/>
                   </a:schemeClr>
                 </a:solidFill>
-              </a:rPr>
-              <a:t>「壁」を表します</a:t>
-            </a:r>
-            <a:endParaRPr kumimoji="1" lang="ja-JP" altLang="en-US" dirty="0">
+              </a:endParaRPr>
+            </a:p>
+          </p:txBody>
+        </p:sp>
+        <p:cxnSp>
+          <p:nvCxnSpPr>
+            <p:cNvPr id="19" name="直線矢印コネクタ 18"/>
+            <p:cNvCxnSpPr/>
+            <p:nvPr/>
+          </p:nvCxnSpPr>
+          <p:spPr>
+            <a:xfrm flipH="1" flipV="1">
+              <a:off x="6393366" y="5851036"/>
+              <a:ext cx="319854" cy="145904"/>
+            </a:xfrm>
+            <a:prstGeom prst="straightConnector1">
+              <a:avLst/>
+            </a:prstGeom>
+            <a:ln w="19050">
               <a:solidFill>
                 <a:schemeClr val="accent1">
                   <a:lumMod val="75000"/>
                 </a:schemeClr>
               </a:solidFill>
-            </a:endParaRPr>
-          </a:p>
-        </p:txBody>
-      </p:sp>
-      <p:cxnSp>
-        <p:nvCxnSpPr>
-          <p:cNvPr id="19" name="直線矢印コネクタ 18"/>
-          <p:cNvCxnSpPr/>
-          <p:nvPr/>
-        </p:nvCxnSpPr>
-        <p:spPr>
-          <a:xfrm flipH="1" flipV="1">
-            <a:off x="6393366" y="5851036"/>
-            <a:ext cx="319854" cy="145904"/>
-          </a:xfrm>
-          <a:prstGeom prst="straightConnector1">
-            <a:avLst/>
-          </a:prstGeom>
-          <a:ln w="19050">
-            <a:solidFill>
-              <a:schemeClr val="accent1">
-                <a:lumMod val="75000"/>
-              </a:schemeClr>
-            </a:solidFill>
-            <a:headEnd type="none" w="med" len="med"/>
-            <a:tailEnd type="triangle"/>
-          </a:ln>
-        </p:spPr>
-        <p:style>
-          <a:lnRef idx="1">
-            <a:schemeClr val="accent1"/>
-          </a:lnRef>
-          <a:fillRef idx="0">
-            <a:schemeClr val="accent1"/>
-          </a:fillRef>
-          <a:effectRef idx="0">
-            <a:schemeClr val="accent1"/>
-          </a:effectRef>
-          <a:fontRef idx="minor">
-            <a:schemeClr val="tx1"/>
-          </a:fontRef>
-        </p:style>
-      </p:cxnSp>
+              <a:headEnd type="none" w="med" len="med"/>
+              <a:tailEnd type="triangle"/>
+            </a:ln>
+          </p:spPr>
+          <p:style>
+            <a:lnRef idx="1">
+              <a:schemeClr val="accent1"/>
+            </a:lnRef>
+            <a:fillRef idx="0">
+              <a:schemeClr val="accent1"/>
+            </a:fillRef>
+            <a:effectRef idx="0">
+              <a:schemeClr val="accent1"/>
+            </a:effectRef>
+            <a:fontRef idx="minor">
+              <a:schemeClr val="tx1"/>
+            </a:fontRef>
+          </p:style>
+        </p:cxnSp>
+      </p:grpSp>
     </p:spTree>
     <p:extLst>
       <p:ext uri="{BB962C8B-B14F-4D97-AF65-F5344CB8AC3E}">
@@ -15561,6 +15706,13 @@
   <p:clrMapOvr>
     <a:masterClrMapping/>
   </p:clrMapOvr>
+  <p:timing>
+    <p:tnLst>
+      <p:par>
+        <p:cTn id="1" dur="indefinite" restart="never" nodeType="tmRoot"/>
+      </p:par>
+    </p:tnLst>
+  </p:timing>
 </p:sld>
 </file>
 

--- a/1_GettingStarted/OpenModelica_Tutorials_1.pptx
+++ b/1_GettingStarted/OpenModelica_Tutorials_1.pptx
@@ -243,7 +243,7 @@
           <a:p>
             <a:fld id="{4AF2C950-F42E-48AF-9429-51026B200D3A}" type="datetimeFigureOut">
               <a:rPr kumimoji="1" lang="ja-JP" altLang="en-US" smtClean="0"/>
-              <a:t>2020/4/10</a:t>
+              <a:t>2021/8/23</a:t>
             </a:fld>
             <a:endParaRPr kumimoji="1" lang="ja-JP" altLang="en-US"/>
           </a:p>
@@ -421,7 +421,7 @@
           <a:p>
             <a:fld id="{75CB8908-C50A-4902-8524-83A8A5B0A21E}" type="datetimeFigureOut">
               <a:rPr kumimoji="1" lang="ja-JP" altLang="en-US" smtClean="0"/>
-              <a:t>2020/4/10</a:t>
+              <a:t>2021/8/23</a:t>
             </a:fld>
             <a:endParaRPr kumimoji="1" lang="ja-JP" altLang="en-US"/>
           </a:p>
@@ -868,7 +868,7 @@
           <a:p>
             <a:fld id="{D54EB23E-8629-4EA7-AC2F-434CC3AC2923}" type="datetime1">
               <a:rPr kumimoji="1" lang="ja-JP" altLang="en-US" smtClean="0"/>
-              <a:t>2020/4/10</a:t>
+              <a:t>2021/8/23</a:t>
             </a:fld>
             <a:endParaRPr kumimoji="1" lang="ja-JP" altLang="en-US"/>
           </a:p>
@@ -1098,7 +1098,7 @@
           <a:p>
             <a:fld id="{A235C89C-FF14-4C3F-96BC-6339D74F586C}" type="datetime1">
               <a:rPr kumimoji="1" lang="ja-JP" altLang="en-US" smtClean="0"/>
-              <a:t>2020/4/10</a:t>
+              <a:t>2021/8/23</a:t>
             </a:fld>
             <a:endParaRPr kumimoji="1" lang="ja-JP" altLang="en-US"/>
           </a:p>
@@ -1338,7 +1338,7 @@
           <a:p>
             <a:fld id="{BEDC3DC5-6AA9-4AC5-A91D-36D3F132078A}" type="datetime1">
               <a:rPr kumimoji="1" lang="ja-JP" altLang="en-US" smtClean="0"/>
-              <a:t>2020/4/10</a:t>
+              <a:t>2021/8/23</a:t>
             </a:fld>
             <a:endParaRPr kumimoji="1" lang="ja-JP" altLang="en-US"/>
           </a:p>
@@ -1568,7 +1568,7 @@
           <a:p>
             <a:fld id="{D669C662-03D9-46D5-B0D1-07F4A76593B7}" type="datetime1">
               <a:rPr kumimoji="1" lang="ja-JP" altLang="en-US" smtClean="0"/>
-              <a:t>2020/4/10</a:t>
+              <a:t>2021/8/23</a:t>
             </a:fld>
             <a:endParaRPr kumimoji="1" lang="ja-JP" altLang="en-US"/>
           </a:p>
@@ -1843,7 +1843,7 @@
           <a:p>
             <a:fld id="{07CCFAC8-C0FC-4608-8398-CAB22C442189}" type="datetime1">
               <a:rPr kumimoji="1" lang="ja-JP" altLang="en-US" smtClean="0"/>
-              <a:t>2020/4/10</a:t>
+              <a:t>2021/8/23</a:t>
             </a:fld>
             <a:endParaRPr kumimoji="1" lang="ja-JP" altLang="en-US"/>
           </a:p>
@@ -2172,7 +2172,7 @@
           <a:p>
             <a:fld id="{6B754A5E-56A4-40CF-B440-4E04CE6F1EC9}" type="datetime1">
               <a:rPr kumimoji="1" lang="ja-JP" altLang="en-US" smtClean="0"/>
-              <a:t>2020/4/10</a:t>
+              <a:t>2021/8/23</a:t>
             </a:fld>
             <a:endParaRPr kumimoji="1" lang="ja-JP" altLang="en-US"/>
           </a:p>
@@ -2648,7 +2648,7 @@
           <a:p>
             <a:fld id="{042E28B5-A17D-47EC-BC16-AD65AD910F7A}" type="datetime1">
               <a:rPr kumimoji="1" lang="ja-JP" altLang="en-US" smtClean="0"/>
-              <a:t>2020/4/10</a:t>
+              <a:t>2021/8/23</a:t>
             </a:fld>
             <a:endParaRPr kumimoji="1" lang="ja-JP" altLang="en-US"/>
           </a:p>
@@ -2789,7 +2789,7 @@
           <a:p>
             <a:fld id="{29CF535B-E6AB-4589-A4C4-B0674D6C3C56}" type="datetime1">
               <a:rPr kumimoji="1" lang="ja-JP" altLang="en-US" smtClean="0"/>
-              <a:t>2020/4/10</a:t>
+              <a:t>2021/8/23</a:t>
             </a:fld>
             <a:endParaRPr kumimoji="1" lang="ja-JP" altLang="en-US"/>
           </a:p>
@@ -2902,7 +2902,7 @@
           <a:p>
             <a:fld id="{FBE19558-76BE-48E3-8CD2-480AB7D9F745}" type="datetime1">
               <a:rPr kumimoji="1" lang="ja-JP" altLang="en-US" smtClean="0"/>
-              <a:t>2020/4/10</a:t>
+              <a:t>2021/8/23</a:t>
             </a:fld>
             <a:endParaRPr kumimoji="1" lang="ja-JP" altLang="en-US"/>
           </a:p>
@@ -3245,7 +3245,7 @@
           <a:p>
             <a:fld id="{3C40CF6C-05DA-4580-9B84-A8EF3232EE7C}" type="datetime1">
               <a:rPr kumimoji="1" lang="ja-JP" altLang="en-US" smtClean="0"/>
-              <a:t>2020/4/10</a:t>
+              <a:t>2021/8/23</a:t>
             </a:fld>
             <a:endParaRPr kumimoji="1" lang="ja-JP" altLang="en-US"/>
           </a:p>
@@ -3533,7 +3533,7 @@
           <a:p>
             <a:fld id="{183BEF93-9F42-4F75-89F4-26ADF85B0261}" type="datetime1">
               <a:rPr kumimoji="1" lang="ja-JP" altLang="en-US" smtClean="0"/>
-              <a:t>2020/4/10</a:t>
+              <a:t>2021/8/23</a:t>
             </a:fld>
             <a:endParaRPr kumimoji="1" lang="ja-JP" altLang="en-US"/>
           </a:p>
@@ -3806,7 +3806,7 @@
           <a:p>
             <a:fld id="{AF2879AA-DF14-4E1F-8D4E-2F9F37F6C42A}" type="datetime1">
               <a:rPr kumimoji="1" lang="ja-JP" altLang="en-US" smtClean="0"/>
-              <a:t>2020/4/10</a:t>
+              <a:t>2021/8/23</a:t>
             </a:fld>
             <a:endParaRPr kumimoji="1" lang="ja-JP" altLang="en-US"/>
           </a:p>
@@ -4312,70 +4312,6 @@
       </p:sp>
       <p:sp>
         <p:nvSpPr>
-          <p:cNvPr id="5" name="正方形/長方形 4">
-            <a:extLst>
-              <a:ext uri="{FF2B5EF4-FFF2-40B4-BE49-F238E27FC236}">
-                <a16:creationId xmlns:a16="http://schemas.microsoft.com/office/drawing/2014/main" id="{978E2E90-0ABB-4CA0-973B-958FF5A2B1E5}"/>
-              </a:ext>
-            </a:extLst>
-          </p:cNvPr>
-          <p:cNvSpPr/>
-          <p:nvPr/>
-        </p:nvSpPr>
-        <p:spPr>
-          <a:xfrm>
-            <a:off x="3230707" y="5796050"/>
-            <a:ext cx="6096000" cy="1200329"/>
-          </a:xfrm>
-          <a:prstGeom prst="rect">
-            <a:avLst/>
-          </a:prstGeom>
-        </p:spPr>
-        <p:txBody>
-          <a:bodyPr>
-            <a:spAutoFit/>
-          </a:bodyPr>
-          <a:lstStyle/>
-          <a:p>
-            <a:pPr algn="ctr"/>
-            <a:r>
-              <a:rPr lang="en-US" altLang="ja-JP" dirty="0"/>
-              <a:t>Copyright (C) </a:t>
-            </a:r>
-            <a:r>
-              <a:rPr lang="en-US" altLang="ja-JP" dirty="0" smtClean="0"/>
-              <a:t>2020 </a:t>
-            </a:r>
-            <a:r>
-              <a:rPr lang="en-US" altLang="ja-JP" dirty="0"/>
-              <a:t>Shigenori Ueda</a:t>
-            </a:r>
-          </a:p>
-          <a:p>
-            <a:pPr algn="ctr"/>
-            <a:r>
-              <a:rPr lang="en-US" altLang="ja-JP" dirty="0"/>
-              <a:t>Released under the MIT license</a:t>
-            </a:r>
-          </a:p>
-          <a:p>
-            <a:pPr algn="ctr"/>
-            <a:r>
-              <a:rPr lang="en-US" altLang="ja-JP" dirty="0">
-                <a:hlinkClick r:id="rId2"/>
-              </a:rPr>
-              <a:t>https://opensource.org/licenses/mit-license.php</a:t>
-            </a:r>
-            <a:endParaRPr lang="en-US" altLang="ja-JP" dirty="0"/>
-          </a:p>
-          <a:p>
-            <a:pPr algn="ctr"/>
-            <a:endParaRPr lang="en-US" altLang="ja-JP" dirty="0"/>
-          </a:p>
-        </p:txBody>
-      </p:sp>
-      <p:sp>
-        <p:nvSpPr>
           <p:cNvPr id="3" name="スライド番号プレースホルダー 2"/>
           <p:cNvSpPr>
             <a:spLocks noGrp="1"/>
@@ -4394,6 +4330,205 @@
               <a:t>1</a:t>
             </a:fld>
             <a:endParaRPr kumimoji="1" lang="ja-JP" altLang="en-US"/>
+          </a:p>
+        </p:txBody>
+      </p:sp>
+      <p:pic>
+        <p:nvPicPr>
+          <p:cNvPr id="8" name="Picture 2" descr="by">
+            <a:extLst>
+              <a:ext uri="{FF2B5EF4-FFF2-40B4-BE49-F238E27FC236}">
+                <a16:creationId xmlns:a16="http://schemas.microsoft.com/office/drawing/2014/main" id="{08AE23DA-EA27-471F-9452-B9737735119B}"/>
+              </a:ext>
+            </a:extLst>
+          </p:cNvPr>
+          <p:cNvPicPr>
+            <a:picLocks noChangeAspect="1" noChangeArrowheads="1"/>
+          </p:cNvPicPr>
+          <p:nvPr/>
+        </p:nvPicPr>
+        <p:blipFill>
+          <a:blip r:embed="rId2">
+            <a:extLst>
+              <a:ext uri="{28A0092B-C50C-407E-A947-70E740481C1C}">
+                <a14:useLocalDpi xmlns:a14="http://schemas.microsoft.com/office/drawing/2010/main" val="0"/>
+              </a:ext>
+            </a:extLst>
+          </a:blip>
+          <a:srcRect/>
+          <a:stretch>
+            <a:fillRect/>
+          </a:stretch>
+        </p:blipFill>
+        <p:spPr bwMode="auto">
+          <a:xfrm>
+            <a:off x="2639595" y="5528090"/>
+            <a:ext cx="1419225" cy="495300"/>
+          </a:xfrm>
+          <a:prstGeom prst="rect">
+            <a:avLst/>
+          </a:prstGeom>
+          <a:noFill/>
+          <a:extLst>
+            <a:ext uri="{909E8E84-426E-40DD-AFC4-6F175D3DCCD1}">
+              <a14:hiddenFill xmlns:a14="http://schemas.microsoft.com/office/drawing/2010/main">
+                <a:solidFill>
+                  <a:srgbClr val="FFFFFF"/>
+                </a:solidFill>
+              </a14:hiddenFill>
+            </a:ext>
+          </a:extLst>
+        </p:spPr>
+      </p:pic>
+      <p:sp>
+        <p:nvSpPr>
+          <p:cNvPr id="9" name="テキスト ボックス 10">
+            <a:extLst>
+              <a:ext uri="{FF2B5EF4-FFF2-40B4-BE49-F238E27FC236}">
+                <a16:creationId xmlns:a16="http://schemas.microsoft.com/office/drawing/2014/main" id="{6B37F728-D54F-4E53-86E9-6FB17030729D}"/>
+              </a:ext>
+            </a:extLst>
+          </p:cNvPr>
+          <p:cNvSpPr txBox="1"/>
+          <p:nvPr/>
+        </p:nvSpPr>
+        <p:spPr>
+          <a:xfrm>
+            <a:off x="2534332" y="6075144"/>
+            <a:ext cx="7637686" cy="646331"/>
+          </a:xfrm>
+          <a:prstGeom prst="rect">
+            <a:avLst/>
+          </a:prstGeom>
+          <a:noFill/>
+        </p:spPr>
+        <p:txBody>
+          <a:bodyPr wrap="square">
+            <a:spAutoFit/>
+          </a:bodyPr>
+          <a:lstStyle>
+            <a:defPPr>
+              <a:defRPr lang="ja-JP"/>
+            </a:defPPr>
+            <a:lvl1pPr marL="0" algn="l" defTabSz="914400" rtl="0" eaLnBrk="1" latinLnBrk="0" hangingPunct="1">
+              <a:defRPr kumimoji="1" sz="1800" kern="1200">
+                <a:solidFill>
+                  <a:schemeClr val="tx1"/>
+                </a:solidFill>
+                <a:latin typeface="+mn-lt"/>
+                <a:ea typeface="+mn-ea"/>
+                <a:cs typeface="+mn-cs"/>
+              </a:defRPr>
+            </a:lvl1pPr>
+            <a:lvl2pPr marL="457200" algn="l" defTabSz="914400" rtl="0" eaLnBrk="1" latinLnBrk="0" hangingPunct="1">
+              <a:defRPr kumimoji="1" sz="1800" kern="1200">
+                <a:solidFill>
+                  <a:schemeClr val="tx1"/>
+                </a:solidFill>
+                <a:latin typeface="+mn-lt"/>
+                <a:ea typeface="+mn-ea"/>
+                <a:cs typeface="+mn-cs"/>
+              </a:defRPr>
+            </a:lvl2pPr>
+            <a:lvl3pPr marL="914400" algn="l" defTabSz="914400" rtl="0" eaLnBrk="1" latinLnBrk="0" hangingPunct="1">
+              <a:defRPr kumimoji="1" sz="1800" kern="1200">
+                <a:solidFill>
+                  <a:schemeClr val="tx1"/>
+                </a:solidFill>
+                <a:latin typeface="+mn-lt"/>
+                <a:ea typeface="+mn-ea"/>
+                <a:cs typeface="+mn-cs"/>
+              </a:defRPr>
+            </a:lvl3pPr>
+            <a:lvl4pPr marL="1371600" algn="l" defTabSz="914400" rtl="0" eaLnBrk="1" latinLnBrk="0" hangingPunct="1">
+              <a:defRPr kumimoji="1" sz="1800" kern="1200">
+                <a:solidFill>
+                  <a:schemeClr val="tx1"/>
+                </a:solidFill>
+                <a:latin typeface="+mn-lt"/>
+                <a:ea typeface="+mn-ea"/>
+                <a:cs typeface="+mn-cs"/>
+              </a:defRPr>
+            </a:lvl4pPr>
+            <a:lvl5pPr marL="1828800" algn="l" defTabSz="914400" rtl="0" eaLnBrk="1" latinLnBrk="0" hangingPunct="1">
+              <a:defRPr kumimoji="1" sz="1800" kern="1200">
+                <a:solidFill>
+                  <a:schemeClr val="tx1"/>
+                </a:solidFill>
+                <a:latin typeface="+mn-lt"/>
+                <a:ea typeface="+mn-ea"/>
+                <a:cs typeface="+mn-cs"/>
+              </a:defRPr>
+            </a:lvl5pPr>
+            <a:lvl6pPr marL="2286000" algn="l" defTabSz="914400" rtl="0" eaLnBrk="1" latinLnBrk="0" hangingPunct="1">
+              <a:defRPr kumimoji="1" sz="1800" kern="1200">
+                <a:solidFill>
+                  <a:schemeClr val="tx1"/>
+                </a:solidFill>
+                <a:latin typeface="+mn-lt"/>
+                <a:ea typeface="+mn-ea"/>
+                <a:cs typeface="+mn-cs"/>
+              </a:defRPr>
+            </a:lvl6pPr>
+            <a:lvl7pPr marL="2743200" algn="l" defTabSz="914400" rtl="0" eaLnBrk="1" latinLnBrk="0" hangingPunct="1">
+              <a:defRPr kumimoji="1" sz="1800" kern="1200">
+                <a:solidFill>
+                  <a:schemeClr val="tx1"/>
+                </a:solidFill>
+                <a:latin typeface="+mn-lt"/>
+                <a:ea typeface="+mn-ea"/>
+                <a:cs typeface="+mn-cs"/>
+              </a:defRPr>
+            </a:lvl7pPr>
+            <a:lvl8pPr marL="3200400" algn="l" defTabSz="914400" rtl="0" eaLnBrk="1" latinLnBrk="0" hangingPunct="1">
+              <a:defRPr kumimoji="1" sz="1800" kern="1200">
+                <a:solidFill>
+                  <a:schemeClr val="tx1"/>
+                </a:solidFill>
+                <a:latin typeface="+mn-lt"/>
+                <a:ea typeface="+mn-ea"/>
+                <a:cs typeface="+mn-cs"/>
+              </a:defRPr>
+            </a:lvl8pPr>
+            <a:lvl9pPr marL="3657600" algn="l" defTabSz="914400" rtl="0" eaLnBrk="1" latinLnBrk="0" hangingPunct="1">
+              <a:defRPr kumimoji="1" sz="1800" kern="1200">
+                <a:solidFill>
+                  <a:schemeClr val="tx1"/>
+                </a:solidFill>
+                <a:latin typeface="+mn-lt"/>
+                <a:ea typeface="+mn-ea"/>
+                <a:cs typeface="+mn-cs"/>
+              </a:defRPr>
+            </a:lvl9pPr>
+          </a:lstStyle>
+          <a:p>
+            <a:r>
+              <a:rPr lang="ja-JP" altLang="en-US" dirty="0"/>
+              <a:t>“</a:t>
+            </a:r>
+            <a:r>
+              <a:rPr lang="en-US" altLang="ja-JP" dirty="0"/>
+              <a:t>OpenModelica tutorial for beginner 1 Getting Start</a:t>
+            </a:r>
+            <a:r>
+              <a:rPr lang="ja-JP" altLang="en-US" dirty="0"/>
+              <a:t>” by </a:t>
+            </a:r>
+            <a:r>
+              <a:rPr lang="en-US" altLang="ja-JP" dirty="0" err="1"/>
+              <a:t>UedaShigenori</a:t>
+            </a:r>
+            <a:r>
+              <a:rPr lang="ja-JP" altLang="en-US" dirty="0"/>
+              <a:t> is licensed under </a:t>
+            </a:r>
+            <a:r>
+              <a:rPr lang="ja-JP" altLang="en-US" dirty="0">
+                <a:hlinkClick r:id="rId3"/>
+              </a:rPr>
+              <a:t>CC BY 2.0﻿</a:t>
+            </a:r>
+            <a:endParaRPr lang="ja-JP" altLang="en-US" dirty="0"/>
           </a:p>
         </p:txBody>
       </p:sp>
@@ -4407,13 +4542,6 @@
   <p:clrMapOvr>
     <a:masterClrMapping/>
   </p:clrMapOvr>
-  <p:timing>
-    <p:tnLst>
-      <p:par>
-        <p:cTn id="1" dur="indefinite" restart="never" nodeType="tmRoot"/>
-      </p:par>
-    </p:tnLst>
-  </p:timing>
 </p:sld>
 </file>
 
@@ -4602,7 +4730,7 @@
           </a:ln>
           <a:extLst>
             <a:ext uri="{C572A759-6A51-4108-AA02-DFA0A04FC94B}">
-              <ma14:wrappingTextBoxFlag xmlns:ma14="http://schemas.microsoft.com/office/mac/drawingml/2011/main" xmlns="" val="1"/>
+              <ma14:wrappingTextBoxFlag xmlns="" xmlns:ma14="http://schemas.microsoft.com/office/mac/drawingml/2011/main" val="1"/>
             </a:ext>
           </a:extLst>
         </p:spPr>
@@ -4715,13 +4843,6 @@
   <p:clrMapOvr>
     <a:masterClrMapping/>
   </p:clrMapOvr>
-  <p:timing>
-    <p:tnLst>
-      <p:par>
-        <p:cTn id="1" dur="indefinite" restart="never" nodeType="tmRoot"/>
-      </p:par>
-    </p:tnLst>
-  </p:timing>
 </p:sld>
 </file>
 
@@ -4796,7 +4917,7 @@
           </a:ln>
           <a:extLst>
             <a:ext uri="{C572A759-6A51-4108-AA02-DFA0A04FC94B}">
-              <ma14:wrappingTextBoxFlag xmlns:ma14="http://schemas.microsoft.com/office/mac/drawingml/2011/main" xmlns="" val="1"/>
+              <ma14:wrappingTextBoxFlag xmlns="" xmlns:ma14="http://schemas.microsoft.com/office/mac/drawingml/2011/main" val="1"/>
             </a:ext>
           </a:extLst>
         </p:spPr>
@@ -5110,12 +5231,8 @@
           </a:p>
           <a:p>
             <a:r>
-              <a:rPr lang="ja-JP" altLang="en-US" dirty="0" smtClean="0"/>
-              <a:t>カーソルを</a:t>
-            </a:r>
-            <a:r>
               <a:rPr lang="ja-JP" altLang="en-US" dirty="0"/>
-              <a:t>近づけると</a:t>
+              <a:t>カーソルを近づけると</a:t>
             </a:r>
             <a:endParaRPr lang="en-US" altLang="ja-JP" dirty="0"/>
           </a:p>
@@ -5619,13 +5736,6 @@
   <p:clrMapOvr>
     <a:masterClrMapping/>
   </p:clrMapOvr>
-  <p:timing>
-    <p:tnLst>
-      <p:par>
-        <p:cTn id="1" dur="indefinite" restart="never" nodeType="tmRoot"/>
-      </p:par>
-    </p:tnLst>
-  </p:timing>
 </p:sld>
 </file>
 
@@ -5695,7 +5805,7 @@
           </a:ln>
           <a:extLst>
             <a:ext uri="{C572A759-6A51-4108-AA02-DFA0A04FC94B}">
-              <ma14:wrappingTextBoxFlag xmlns:ma14="http://schemas.microsoft.com/office/mac/drawingml/2011/main" xmlns="" val="1"/>
+              <ma14:wrappingTextBoxFlag xmlns="" xmlns:ma14="http://schemas.microsoft.com/office/mac/drawingml/2011/main" val="1"/>
             </a:ext>
           </a:extLst>
         </p:spPr>
@@ -5754,19 +5864,11 @@
           <a:p>
             <a:r>
               <a:rPr kumimoji="1" lang="en-US" altLang="ja-JP" dirty="0"/>
-              <a:t> </a:t>
-            </a:r>
-            <a:r>
-              <a:rPr kumimoji="1" lang="en-US" altLang="ja-JP" dirty="0" smtClean="0"/>
-              <a:t>spring</a:t>
-            </a:r>
-            <a:r>
-              <a:rPr kumimoji="1" lang="ja-JP" altLang="en-US" dirty="0" smtClean="0"/>
-              <a:t>を</a:t>
+              <a:t> spring</a:t>
             </a:r>
             <a:r>
               <a:rPr kumimoji="1" lang="ja-JP" altLang="en-US" dirty="0"/>
-              <a:t>ダブルクリックするとパラメータ設定の画面が出てきます。</a:t>
+              <a:t>をダブルクリックするとパラメータ設定の画面が出てきます。</a:t>
             </a:r>
             <a:endParaRPr kumimoji="1" lang="en-US" altLang="ja-JP" dirty="0"/>
           </a:p>
@@ -6183,51 +6285,47 @@
           <a:p>
             <a:r>
               <a:rPr kumimoji="1" lang="ja-JP" altLang="en-US" dirty="0"/>
-              <a:t>初期</a:t>
-            </a:r>
-            <a:r>
-              <a:rPr kumimoji="1" lang="ja-JP" altLang="en-US" dirty="0" smtClean="0"/>
-              <a:t>変位</a:t>
-            </a:r>
-            <a:endParaRPr kumimoji="1" lang="en-US" altLang="ja-JP" dirty="0" smtClean="0"/>
-          </a:p>
-          <a:p>
-            <a:r>
-              <a:rPr lang="ja-JP" altLang="en-US" dirty="0" smtClean="0"/>
+              <a:t>初期変位</a:t>
+            </a:r>
+            <a:endParaRPr kumimoji="1" lang="en-US" altLang="ja-JP" dirty="0"/>
+          </a:p>
+          <a:p>
+            <a:r>
+              <a:rPr lang="ja-JP" altLang="en-US" dirty="0"/>
               <a:t>初期値を有効にするには</a:t>
             </a:r>
-            <a:endParaRPr lang="en-US" altLang="ja-JP" dirty="0" smtClean="0"/>
-          </a:p>
-          <a:p>
-            <a:r>
-              <a:rPr lang="en-US" altLang="ja-JP" dirty="0" err="1" smtClean="0"/>
+            <a:endParaRPr lang="en-US" altLang="ja-JP" dirty="0"/>
+          </a:p>
+          <a:p>
+            <a:r>
+              <a:rPr lang="en-US" altLang="ja-JP" dirty="0" err="1"/>
               <a:t>s_rel.start</a:t>
             </a:r>
             <a:r>
-              <a:rPr lang="ja-JP" altLang="en-US" dirty="0" smtClean="0"/>
+              <a:rPr lang="ja-JP" altLang="en-US" dirty="0"/>
               <a:t>の横の□をクリックして</a:t>
             </a:r>
-            <a:endParaRPr lang="en-US" altLang="ja-JP" dirty="0" smtClean="0"/>
-          </a:p>
-          <a:p>
-            <a:r>
-              <a:rPr lang="ja-JP" altLang="en-US" dirty="0" smtClean="0"/>
+            <a:endParaRPr lang="en-US" altLang="ja-JP" dirty="0"/>
+          </a:p>
+          <a:p>
+            <a:r>
+              <a:rPr lang="ja-JP" altLang="en-US" dirty="0"/>
               <a:t>「</a:t>
             </a:r>
             <a:r>
-              <a:rPr lang="en-US" altLang="ja-JP" dirty="0" smtClean="0"/>
+              <a:rPr lang="en-US" altLang="ja-JP" dirty="0"/>
               <a:t>Fixed</a:t>
             </a:r>
             <a:r>
-              <a:rPr lang="ja-JP" altLang="en-US" dirty="0" smtClean="0"/>
+              <a:rPr lang="ja-JP" altLang="en-US" dirty="0"/>
               <a:t>」を「</a:t>
             </a:r>
             <a:r>
-              <a:rPr lang="en-US" altLang="ja-JP" dirty="0" smtClean="0"/>
+              <a:rPr lang="en-US" altLang="ja-JP" dirty="0"/>
               <a:t>true</a:t>
             </a:r>
             <a:r>
-              <a:rPr lang="ja-JP" altLang="en-US" dirty="0" smtClean="0"/>
+              <a:rPr lang="ja-JP" altLang="en-US" dirty="0"/>
               <a:t>」にしてください</a:t>
             </a:r>
             <a:endParaRPr kumimoji="1" lang="ja-JP" altLang="en-US" dirty="0"/>
@@ -6371,13 +6469,6 @@
   <p:clrMapOvr>
     <a:masterClrMapping/>
   </p:clrMapOvr>
-  <p:timing>
-    <p:tnLst>
-      <p:par>
-        <p:cTn id="1" dur="indefinite" restart="never" nodeType="tmRoot"/>
-      </p:par>
-    </p:tnLst>
-  </p:timing>
 </p:sld>
 </file>
 
@@ -6447,7 +6538,7 @@
           </a:ln>
           <a:extLst>
             <a:ext uri="{C572A759-6A51-4108-AA02-DFA0A04FC94B}">
-              <ma14:wrappingTextBoxFlag xmlns:ma14="http://schemas.microsoft.com/office/mac/drawingml/2011/main" xmlns="" val="1"/>
+              <ma14:wrappingTextBoxFlag xmlns="" xmlns:ma14="http://schemas.microsoft.com/office/mac/drawingml/2011/main" val="1"/>
             </a:ext>
           </a:extLst>
         </p:spPr>
@@ -6739,11 +6830,7 @@
           <a:p>
             <a:r>
               <a:rPr kumimoji="1" lang="ja-JP" altLang="en-US" dirty="0"/>
-              <a:t>おもりの初期</a:t>
-            </a:r>
-            <a:r>
-              <a:rPr kumimoji="1" lang="ja-JP" altLang="en-US" dirty="0" smtClean="0"/>
-              <a:t>速度</a:t>
+              <a:t>おもりの初期速度</a:t>
             </a:r>
             <a:endParaRPr lang="en-US" altLang="ja-JP" dirty="0"/>
           </a:p>
@@ -6756,16 +6843,12 @@
           </a:p>
           <a:p>
             <a:r>
-              <a:rPr lang="en-US" altLang="ja-JP" dirty="0" err="1" smtClean="0"/>
+              <a:rPr lang="en-US" altLang="ja-JP" dirty="0" err="1"/>
               <a:t>v.start</a:t>
             </a:r>
             <a:r>
-              <a:rPr lang="ja-JP" altLang="en-US" dirty="0" smtClean="0"/>
-              <a:t>の</a:t>
-            </a:r>
-            <a:r>
               <a:rPr lang="ja-JP" altLang="en-US" dirty="0"/>
-              <a:t>横の□をクリックして</a:t>
+              <a:t>の横の□をクリックして</a:t>
             </a:r>
             <a:endParaRPr lang="en-US" altLang="ja-JP" dirty="0"/>
           </a:p>
@@ -6826,24 +6909,16 @@
               <a:t>同様に</a:t>
             </a:r>
             <a:r>
-              <a:rPr kumimoji="1" lang="en-US" altLang="ja-JP" dirty="0" smtClean="0"/>
+              <a:rPr kumimoji="1" lang="en-US" altLang="ja-JP" dirty="0"/>
               <a:t>mass</a:t>
             </a:r>
             <a:r>
-              <a:rPr lang="ja-JP" altLang="en-US" dirty="0" smtClean="0"/>
-              <a:t>につい</a:t>
-            </a:r>
-            <a:r>
               <a:rPr lang="ja-JP" altLang="en-US" dirty="0"/>
-              <a:t>て</a:t>
-            </a:r>
-            <a:r>
-              <a:rPr kumimoji="1" lang="ja-JP" altLang="en-US" dirty="0" smtClean="0"/>
-              <a:t>以下</a:t>
+              <a:t>について</a:t>
             </a:r>
             <a:r>
               <a:rPr kumimoji="1" lang="ja-JP" altLang="en-US" dirty="0"/>
-              <a:t>のように設定してください</a:t>
+              <a:t>以下のように設定してください</a:t>
             </a:r>
             <a:r>
               <a:rPr lang="ja-JP" altLang="en-US" dirty="0"/>
@@ -6938,13 +7013,6 @@
   <p:clrMapOvr>
     <a:masterClrMapping/>
   </p:clrMapOvr>
-  <p:timing>
-    <p:tnLst>
-      <p:par>
-        <p:cTn id="1" dur="indefinite" restart="never" nodeType="tmRoot"/>
-      </p:par>
-    </p:tnLst>
-  </p:timing>
 </p:sld>
 </file>
 
@@ -7014,7 +7082,7 @@
           </a:ln>
           <a:extLst>
             <a:ext uri="{C572A759-6A51-4108-AA02-DFA0A04FC94B}">
-              <ma14:wrappingTextBoxFlag xmlns:ma14="http://schemas.microsoft.com/office/mac/drawingml/2011/main" xmlns="" val="1"/>
+              <ma14:wrappingTextBoxFlag xmlns="" xmlns:ma14="http://schemas.microsoft.com/office/mac/drawingml/2011/main" val="1"/>
             </a:ext>
           </a:extLst>
         </p:spPr>
@@ -7074,11 +7142,7 @@
             </a:r>
             <a:r>
               <a:rPr kumimoji="1" lang="ja-JP" altLang="en-US"/>
-              <a:t>して</a:t>
-            </a:r>
-            <a:r>
-              <a:rPr kumimoji="1" lang="ja-JP" altLang="en-US" smtClean="0"/>
-              <a:t>ください。</a:t>
+              <a:t>してください。</a:t>
             </a:r>
             <a:endParaRPr kumimoji="1" lang="en-US" altLang="ja-JP" dirty="0"/>
           </a:p>
@@ -7270,23 +7334,11 @@
           <a:p>
             <a:r>
               <a:rPr kumimoji="1" lang="ja-JP" altLang="en-US" dirty="0"/>
-              <a:t>ファイル名を決定</a:t>
-            </a:r>
-            <a:r>
-              <a:rPr kumimoji="1" lang="ja-JP" altLang="en-US" dirty="0" smtClean="0"/>
-              <a:t>し</a:t>
-            </a:r>
-            <a:r>
-              <a:rPr lang="ja-JP" altLang="en-US" dirty="0" smtClean="0"/>
-              <a:t>保存</a:t>
+              <a:t>ファイル名を決定し</a:t>
             </a:r>
             <a:r>
               <a:rPr lang="ja-JP" altLang="en-US" dirty="0"/>
-              <a:t>をクリック</a:t>
-            </a:r>
-            <a:r>
-              <a:rPr lang="ja-JP" altLang="en-US" dirty="0" smtClean="0"/>
-              <a:t>してください</a:t>
+              <a:t>保存をクリックしてください</a:t>
             </a:r>
             <a:endParaRPr kumimoji="1" lang="ja-JP" altLang="en-US" dirty="0"/>
           </a:p>
@@ -7470,18 +7522,18 @@
           <a:lstStyle/>
           <a:p>
             <a:r>
-              <a:rPr kumimoji="1" lang="en-US" altLang="ja-JP" sz="1400" dirty="0" smtClean="0"/>
+              <a:rPr kumimoji="1" lang="en-US" altLang="ja-JP" sz="1400" dirty="0"/>
               <a:t>OpenModelica1.13</a:t>
             </a:r>
             <a:r>
-              <a:rPr kumimoji="1" lang="ja-JP" altLang="en-US" sz="1400" dirty="0" smtClean="0"/>
+              <a:rPr kumimoji="1" lang="ja-JP" altLang="en-US" sz="1400" dirty="0"/>
               <a:t>から全角文字が含まれるパスにもファイルを保存し読み込むことが出来るようになりました。</a:t>
             </a:r>
-            <a:endParaRPr kumimoji="1" lang="en-US" altLang="ja-JP" sz="1400" dirty="0" smtClean="0"/>
-          </a:p>
-          <a:p>
-            <a:r>
-              <a:rPr lang="ja-JP" altLang="en-US" sz="1400" dirty="0" smtClean="0"/>
+            <a:endParaRPr kumimoji="1" lang="en-US" altLang="ja-JP" sz="1400" dirty="0"/>
+          </a:p>
+          <a:p>
+            <a:r>
+              <a:rPr lang="ja-JP" altLang="en-US" sz="1400" dirty="0"/>
               <a:t>しかしながら、パスに全角文字が含まれることはどのような不具合が起こるか分からないため控えた方が良いかと思います。</a:t>
             </a:r>
             <a:endParaRPr kumimoji="1" lang="ja-JP" altLang="en-US" sz="1400" dirty="0"/>
@@ -7498,13 +7550,6 @@
   <p:clrMapOvr>
     <a:masterClrMapping/>
   </p:clrMapOvr>
-  <p:timing>
-    <p:tnLst>
-      <p:par>
-        <p:cTn id="1" dur="indefinite" restart="never" nodeType="tmRoot"/>
-      </p:par>
-    </p:tnLst>
-  </p:timing>
 </p:sld>
 </file>
 
@@ -7603,7 +7648,7 @@
           </a:ln>
           <a:extLst>
             <a:ext uri="{C572A759-6A51-4108-AA02-DFA0A04FC94B}">
-              <ma14:wrappingTextBoxFlag xmlns:ma14="http://schemas.microsoft.com/office/mac/drawingml/2011/main" xmlns="" val="1"/>
+              <ma14:wrappingTextBoxFlag xmlns="" xmlns:ma14="http://schemas.microsoft.com/office/mac/drawingml/2011/main" val="1"/>
             </a:ext>
           </a:extLst>
         </p:spPr>
@@ -7755,39 +7800,27 @@
           <a:lstStyle/>
           <a:p>
             <a:r>
-              <a:rPr lang="ja-JP" altLang="en-US" dirty="0" smtClean="0"/>
-              <a:t>「</a:t>
-            </a:r>
-            <a:r>
               <a:rPr lang="ja-JP" altLang="en-US" dirty="0"/>
-              <a:t>終了時刻」</a:t>
-            </a:r>
-            <a:r>
-              <a:rPr kumimoji="1" lang="ja-JP" altLang="en-US" dirty="0" smtClean="0"/>
+              <a:t>「終了時刻」</a:t>
+            </a:r>
+            <a:r>
+              <a:rPr kumimoji="1" lang="ja-JP" altLang="en-US" dirty="0"/>
               <a:t>を「</a:t>
             </a:r>
             <a:r>
-              <a:rPr kumimoji="1" lang="en-US" altLang="ja-JP" dirty="0" smtClean="0"/>
+              <a:rPr kumimoji="1" lang="en-US" altLang="ja-JP" dirty="0"/>
               <a:t>10</a:t>
             </a:r>
             <a:r>
-              <a:rPr kumimoji="1" lang="ja-JP" altLang="en-US" dirty="0" smtClean="0"/>
+              <a:rPr kumimoji="1" lang="ja-JP" altLang="en-US" dirty="0"/>
               <a:t>」にしてください。</a:t>
             </a:r>
-            <a:endParaRPr kumimoji="1" lang="en-US" altLang="ja-JP" dirty="0" smtClean="0"/>
-          </a:p>
-          <a:p>
-            <a:r>
-              <a:rPr lang="ja-JP" altLang="en-US" dirty="0" smtClean="0"/>
-              <a:t>「終了時刻」はモデル内で経過</a:t>
-            </a:r>
-            <a:r>
-              <a:rPr lang="ja-JP" altLang="en-US" dirty="0" smtClean="0"/>
-              <a:t>する時間を</a:t>
-            </a:r>
-            <a:r>
-              <a:rPr lang="ja-JP" altLang="en-US" dirty="0" smtClean="0"/>
-              <a:t>示しています。</a:t>
+            <a:endParaRPr kumimoji="1" lang="en-US" altLang="ja-JP" dirty="0"/>
+          </a:p>
+          <a:p>
+            <a:r>
+              <a:rPr lang="ja-JP" altLang="en-US" dirty="0"/>
+              <a:t>「終了時刻」はモデル内で経過する時間を示しています。</a:t>
             </a:r>
             <a:endParaRPr kumimoji="1" lang="en-US" altLang="ja-JP" dirty="0"/>
           </a:p>
@@ -7944,13 +7977,6 @@
   <p:clrMapOvr>
     <a:masterClrMapping/>
   </p:clrMapOvr>
-  <p:timing>
-    <p:tnLst>
-      <p:par>
-        <p:cTn id="1" dur="indefinite" restart="never" nodeType="tmRoot"/>
-      </p:par>
-    </p:tnLst>
-  </p:timing>
 </p:sld>
 </file>
 
@@ -8049,7 +8075,7 @@
           </a:ln>
           <a:extLst>
             <a:ext uri="{C572A759-6A51-4108-AA02-DFA0A04FC94B}">
-              <ma14:wrappingTextBoxFlag xmlns:ma14="http://schemas.microsoft.com/office/mac/drawingml/2011/main" xmlns="" val="1"/>
+              <ma14:wrappingTextBoxFlag xmlns="" xmlns:ma14="http://schemas.microsoft.com/office/mac/drawingml/2011/main" val="1"/>
             </a:ext>
           </a:extLst>
         </p:spPr>
@@ -8371,13 +8397,6 @@
   <p:clrMapOvr>
     <a:masterClrMapping/>
   </p:clrMapOvr>
-  <p:timing>
-    <p:tnLst>
-      <p:par>
-        <p:cTn id="1" dur="indefinite" restart="never" nodeType="tmRoot"/>
-      </p:par>
-    </p:tnLst>
-  </p:timing>
 </p:sld>
 </file>
 
@@ -8423,7 +8442,7 @@
           </a:ln>
           <a:extLst>
             <a:ext uri="{C572A759-6A51-4108-AA02-DFA0A04FC94B}">
-              <ma14:wrappingTextBoxFlag xmlns:ma14="http://schemas.microsoft.com/office/mac/drawingml/2011/main" xmlns="" val="1"/>
+              <ma14:wrappingTextBoxFlag xmlns="" xmlns:ma14="http://schemas.microsoft.com/office/mac/drawingml/2011/main" val="1"/>
             </a:ext>
           </a:extLst>
         </p:spPr>
@@ -8486,23 +8505,15 @@
           <a:p>
             <a:r>
               <a:rPr lang="ja-JP" altLang="en-US" dirty="0"/>
-              <a:t>解析が正常に終了した場合、</a:t>
-            </a:r>
-            <a:r>
-              <a:rPr lang="ja-JP" altLang="en-US" dirty="0" smtClean="0"/>
-              <a:t>「</a:t>
-            </a:r>
-            <a:r>
-              <a:rPr lang="en-US" altLang="ja-JP" dirty="0" smtClean="0"/>
+              <a:t>解析が正常に終了した場合、「</a:t>
+            </a:r>
+            <a:r>
+              <a:rPr lang="en-US" altLang="ja-JP" dirty="0"/>
               <a:t>The simulation finished successfully.</a:t>
             </a:r>
             <a:r>
-              <a:rPr lang="ja-JP" altLang="en-US" dirty="0" smtClean="0"/>
-              <a:t>」</a:t>
-            </a:r>
-            <a:r>
               <a:rPr lang="ja-JP" altLang="en-US" dirty="0"/>
-              <a:t>と表示されます。</a:t>
+              <a:t>」と表示されます。</a:t>
             </a:r>
             <a:endParaRPr lang="en-US" altLang="ja-JP" dirty="0"/>
           </a:p>
@@ -8663,16 +8674,12 @@
           </a:p>
           <a:p>
             <a:r>
-              <a:rPr kumimoji="1" lang="en-US" altLang="ja-JP" dirty="0" smtClean="0"/>
+              <a:rPr kumimoji="1" lang="en-US" altLang="ja-JP" dirty="0"/>
               <a:t>exe</a:t>
             </a:r>
             <a:r>
-              <a:rPr kumimoji="1" lang="ja-JP" altLang="en-US" dirty="0" smtClean="0"/>
-              <a:t>ファイル</a:t>
-            </a:r>
-            <a:r>
               <a:rPr kumimoji="1" lang="ja-JP" altLang="en-US" dirty="0"/>
-              <a:t>を作成し、計算を実行します</a:t>
+              <a:t>ファイルを作成し、計算を実行します</a:t>
             </a:r>
           </a:p>
         </p:txBody>
@@ -8758,13 +8765,6 @@
   <p:clrMapOvr>
     <a:masterClrMapping/>
   </p:clrMapOvr>
-  <p:timing>
-    <p:tnLst>
-      <p:par>
-        <p:cTn id="1" dur="indefinite" restart="never" nodeType="tmRoot"/>
-      </p:par>
-    </p:tnLst>
-  </p:timing>
 </p:sld>
 </file>
 
@@ -8834,7 +8834,7 @@
           </a:ln>
           <a:extLst>
             <a:ext uri="{C572A759-6A51-4108-AA02-DFA0A04FC94B}">
-              <ma14:wrappingTextBoxFlag xmlns:ma14="http://schemas.microsoft.com/office/mac/drawingml/2011/main" xmlns="" val="1"/>
+              <ma14:wrappingTextBoxFlag xmlns="" xmlns:ma14="http://schemas.microsoft.com/office/mac/drawingml/2011/main" val="1"/>
             </a:ext>
           </a:extLst>
         </p:spPr>
@@ -8904,11 +8904,11 @@
               <a:t>変数ブラウザから</a:t>
             </a:r>
             <a:r>
-              <a:rPr kumimoji="1" lang="en-US" altLang="ja-JP" dirty="0" smtClean="0"/>
+              <a:rPr kumimoji="1" lang="en-US" altLang="ja-JP" dirty="0"/>
               <a:t>spring</a:t>
             </a:r>
             <a:r>
-              <a:rPr kumimoji="1" lang="ja-JP" altLang="en-US" dirty="0" smtClean="0"/>
+              <a:rPr kumimoji="1" lang="ja-JP" altLang="en-US" dirty="0"/>
               <a:t> </a:t>
             </a:r>
             <a:r>
@@ -9172,13 +9172,6 @@
   <p:clrMapOvr>
     <a:masterClrMapping/>
   </p:clrMapOvr>
-  <p:timing>
-    <p:tnLst>
-      <p:par>
-        <p:cTn id="1" dur="indefinite" restart="never" nodeType="tmRoot"/>
-      </p:par>
-    </p:tnLst>
-  </p:timing>
 </p:sld>
 </file>
 
@@ -9267,12 +9260,8 @@
               <a:t>・　</a:t>
             </a:r>
             <a:r>
-              <a:rPr kumimoji="1" lang="en-US" altLang="ja-JP" sz="2400" dirty="0" smtClean="0"/>
-              <a:t>OpenModelica1.14.1 </a:t>
-            </a:r>
-            <a:r>
               <a:rPr kumimoji="1" lang="en-US" altLang="ja-JP" sz="2400" dirty="0"/>
-              <a:t>(64bit – windows</a:t>
+              <a:t>OpenModelica1.14.1 (64bit – windows</a:t>
             </a:r>
             <a:r>
               <a:rPr kumimoji="1" lang="ja-JP" altLang="en-US" sz="2400" dirty="0"/>
@@ -9298,10 +9287,10 @@
               <a:t>チュートリアルは作成されて</a:t>
             </a:r>
             <a:r>
-              <a:rPr kumimoji="1" lang="ja-JP" altLang="en-US" sz="2400" smtClean="0"/>
+              <a:rPr kumimoji="1" lang="ja-JP" altLang="en-US" sz="2400"/>
               <a:t>います。</a:t>
             </a:r>
-            <a:endParaRPr kumimoji="1" lang="en-US" altLang="ja-JP" sz="2400" dirty="0" smtClean="0"/>
+            <a:endParaRPr kumimoji="1" lang="en-US" altLang="ja-JP" sz="2400" dirty="0"/>
           </a:p>
         </p:txBody>
       </p:sp>
@@ -9364,32 +9353,24 @@
           <a:p>
             <a:r>
               <a:rPr kumimoji="1" lang="ja-JP" altLang="en-US" sz="2400" dirty="0"/>
-              <a:t>・　</a:t>
-            </a:r>
-            <a:r>
-              <a:rPr kumimoji="1" lang="ja-JP" altLang="en-US" sz="2400" dirty="0" smtClean="0"/>
-              <a:t>本資料では</a:t>
-            </a:r>
-            <a:r>
-              <a:rPr kumimoji="1" lang="en-US" altLang="ja-JP" sz="2400" dirty="0" err="1" smtClean="0"/>
+              <a:t>・　本資料では</a:t>
+            </a:r>
+            <a:r>
+              <a:rPr kumimoji="1" lang="en-US" altLang="ja-JP" sz="2400" dirty="0" err="1"/>
               <a:t>OpenModelica</a:t>
             </a:r>
             <a:r>
-              <a:rPr kumimoji="1" lang="ja-JP" altLang="en-US" sz="2400" dirty="0" smtClean="0"/>
+              <a:rPr kumimoji="1" lang="ja-JP" altLang="en-US" sz="2400" dirty="0"/>
               <a:t>の操作方法を主に解説します。</a:t>
             </a:r>
-            <a:endParaRPr kumimoji="1" lang="en-US" altLang="ja-JP" sz="2400" dirty="0" smtClean="0"/>
+            <a:endParaRPr kumimoji="1" lang="en-US" altLang="ja-JP" sz="2400" dirty="0"/>
           </a:p>
           <a:p>
             <a:r>
               <a:rPr lang="ja-JP" altLang="en-US" sz="2400" dirty="0"/>
-              <a:t>　</a:t>
-            </a:r>
-            <a:r>
-              <a:rPr lang="ja-JP" altLang="en-US" sz="2400" dirty="0" smtClean="0"/>
-              <a:t>　</a:t>
-            </a:r>
-            <a:endParaRPr lang="en-US" altLang="ja-JP" sz="2400" dirty="0" smtClean="0"/>
+              <a:t>　　</a:t>
+            </a:r>
+            <a:endParaRPr lang="en-US" altLang="ja-JP" sz="2400" dirty="0"/>
           </a:p>
         </p:txBody>
       </p:sp>
@@ -9403,13 +9384,6 @@
   <p:clrMapOvr>
     <a:masterClrMapping/>
   </p:clrMapOvr>
-  <p:timing>
-    <p:tnLst>
-      <p:par>
-        <p:cTn id="1" dur="indefinite" restart="never" nodeType="tmRoot"/>
-      </p:par>
-    </p:tnLst>
-  </p:timing>
 </p:sld>
 </file>
 
@@ -9449,7 +9423,7 @@
           </a:ln>
           <a:extLst>
             <a:ext uri="{C572A759-6A51-4108-AA02-DFA0A04FC94B}">
-              <ma14:wrappingTextBoxFlag xmlns:ma14="http://schemas.microsoft.com/office/mac/drawingml/2011/main" xmlns="" val="1"/>
+              <ma14:wrappingTextBoxFlag xmlns="" xmlns:ma14="http://schemas.microsoft.com/office/mac/drawingml/2011/main" val="1"/>
             </a:ext>
           </a:extLst>
         </p:spPr>
@@ -9912,13 +9886,6 @@
   <p:clrMapOvr>
     <a:masterClrMapping/>
   </p:clrMapOvr>
-  <p:timing>
-    <p:tnLst>
-      <p:par>
-        <p:cTn id="1" dur="indefinite" restart="never" nodeType="tmRoot"/>
-      </p:par>
-    </p:tnLst>
-  </p:timing>
 </p:sld>
 </file>
 
@@ -9958,7 +9925,7 @@
           </a:ln>
           <a:extLst>
             <a:ext uri="{C572A759-6A51-4108-AA02-DFA0A04FC94B}">
-              <ma14:wrappingTextBoxFlag xmlns:ma14="http://schemas.microsoft.com/office/mac/drawingml/2011/main" xmlns="" val="1"/>
+              <ma14:wrappingTextBoxFlag xmlns="" xmlns:ma14="http://schemas.microsoft.com/office/mac/drawingml/2011/main" val="1"/>
             </a:ext>
           </a:extLst>
         </p:spPr>
@@ -10506,13 +10473,6 @@
   <p:clrMapOvr>
     <a:masterClrMapping/>
   </p:clrMapOvr>
-  <p:timing>
-    <p:tnLst>
-      <p:par>
-        <p:cTn id="1" dur="indefinite" restart="never" nodeType="tmRoot"/>
-      </p:par>
-    </p:tnLst>
-  </p:timing>
 </p:sld>
 </file>
 
@@ -10558,7 +10518,7 @@
           </a:ln>
           <a:extLst>
             <a:ext uri="{C572A759-6A51-4108-AA02-DFA0A04FC94B}">
-              <ma14:wrappingTextBoxFlag xmlns:ma14="http://schemas.microsoft.com/office/mac/drawingml/2011/main" xmlns="" val="1"/>
+              <ma14:wrappingTextBoxFlag xmlns="" xmlns:ma14="http://schemas.microsoft.com/office/mac/drawingml/2011/main" val="1"/>
             </a:ext>
           </a:extLst>
         </p:spPr>
@@ -11056,7 +11016,7 @@
           <a:lstStyle/>
           <a:p>
             <a:r>
-              <a:rPr lang="ja-JP" altLang="en-US" dirty="0" smtClean="0"/>
+              <a:rPr lang="ja-JP" altLang="en-US" dirty="0"/>
               <a:t>ダウンロードして実行</a:t>
             </a:r>
             <a:endParaRPr kumimoji="1" lang="ja-JP" altLang="en-US" dirty="0"/>
@@ -11073,13 +11033,6 @@
   <p:clrMapOvr>
     <a:masterClrMapping/>
   </p:clrMapOvr>
-  <p:timing>
-    <p:tnLst>
-      <p:par>
-        <p:cTn id="1" dur="indefinite" restart="never" nodeType="tmRoot"/>
-      </p:par>
-    </p:tnLst>
-  </p:timing>
 </p:sld>
 </file>
 
@@ -11125,7 +11078,7 @@
           </a:ln>
           <a:extLst>
             <a:ext uri="{C572A759-6A51-4108-AA02-DFA0A04FC94B}">
-              <ma14:wrappingTextBoxFlag xmlns:ma14="http://schemas.microsoft.com/office/mac/drawingml/2011/main" xmlns="" val="1"/>
+              <ma14:wrappingTextBoxFlag xmlns="" xmlns:ma14="http://schemas.microsoft.com/office/mac/drawingml/2011/main" val="1"/>
             </a:ext>
           </a:extLst>
         </p:spPr>
@@ -11320,13 +11273,6 @@
   <p:clrMapOvr>
     <a:masterClrMapping/>
   </p:clrMapOvr>
-  <p:timing>
-    <p:tnLst>
-      <p:par>
-        <p:cTn id="1" dur="indefinite" restart="never" nodeType="tmRoot"/>
-      </p:par>
-    </p:tnLst>
-  </p:timing>
 </p:sld>
 </file>
 
@@ -11372,7 +11318,7 @@
           </a:ln>
           <a:extLst>
             <a:ext uri="{C572A759-6A51-4108-AA02-DFA0A04FC94B}">
-              <ma14:wrappingTextBoxFlag xmlns:ma14="http://schemas.microsoft.com/office/mac/drawingml/2011/main" xmlns="" val="1"/>
+              <ma14:wrappingTextBoxFlag xmlns="" xmlns:ma14="http://schemas.microsoft.com/office/mac/drawingml/2011/main" val="1"/>
             </a:ext>
           </a:extLst>
         </p:spPr>
@@ -11427,24 +11373,20 @@
           <a:lstStyle/>
           <a:p>
             <a:r>
-              <a:rPr kumimoji="1" lang="en-US" altLang="ja-JP" dirty="0" smtClean="0"/>
+              <a:rPr kumimoji="1" lang="en-US" altLang="ja-JP" dirty="0"/>
               <a:t>1D CAE</a:t>
             </a:r>
             <a:r>
-              <a:rPr lang="ja-JP" altLang="en-US" dirty="0" err="1" smtClean="0"/>
+              <a:rPr lang="ja-JP" altLang="en-US" dirty="0" err="1"/>
               <a:t>のように</a:t>
             </a:r>
             <a:r>
-              <a:rPr lang="ja-JP" altLang="en-US" dirty="0" smtClean="0"/>
+              <a:rPr lang="ja-JP" altLang="en-US" dirty="0"/>
               <a:t>ブロックで</a:t>
             </a:r>
             <a:r>
-              <a:rPr kumimoji="1" lang="ja-JP" altLang="en-US" dirty="0" smtClean="0"/>
-              <a:t>表す</a:t>
-            </a:r>
-            <a:r>
               <a:rPr kumimoji="1" lang="ja-JP" altLang="en-US" dirty="0"/>
-              <a:t>と？</a:t>
+              <a:t>表すと？</a:t>
             </a:r>
           </a:p>
         </p:txBody>
@@ -11478,10 +11420,9 @@
           <a:lstStyle/>
           <a:p>
             <a:r>
-              <a:rPr kumimoji="1" lang="ja-JP" altLang="en-US" dirty="0" smtClean="0"/>
+              <a:rPr kumimoji="1" lang="ja-JP" altLang="en-US" dirty="0"/>
               <a:t>練習問題として以下のようなバネの振動を計算します。</a:t>
             </a:r>
-            <a:endParaRPr kumimoji="1" lang="ja-JP" altLang="en-US" dirty="0"/>
           </a:p>
         </p:txBody>
       </p:sp>
@@ -11600,7 +11541,7 @@
               <a:p>
                 <a:pPr algn="ctr"/>
                 <a:r>
-                  <a:rPr lang="ja-JP" altLang="en-US" sz="2800" dirty="0" smtClean="0">
+                  <a:rPr lang="ja-JP" altLang="en-US" sz="2800" dirty="0">
                     <a:solidFill>
                       <a:schemeClr val="tx1"/>
                     </a:solidFill>
@@ -11636,7 +11577,7 @@
                     </m:r>
                   </m:oMath>
                 </a14:m>
-                <a:endParaRPr kumimoji="1" lang="en-US" altLang="ja-JP" sz="2800" dirty="0" smtClean="0">
+                <a:endParaRPr kumimoji="1" lang="en-US" altLang="ja-JP" sz="2800" dirty="0">
                   <a:solidFill>
                     <a:schemeClr val="tx1"/>
                   </a:solidFill>
@@ -11645,7 +11586,7 @@
               <a:p>
                 <a:pPr algn="ctr"/>
                 <a:r>
-                  <a:rPr lang="ja-JP" altLang="en-US" sz="1600" dirty="0" smtClean="0">
+                  <a:rPr lang="ja-JP" altLang="en-US" sz="1600" dirty="0">
                     <a:solidFill>
                       <a:schemeClr val="tx1"/>
                     </a:solidFill>
@@ -14024,11 +13965,7 @@
           <a:p>
             <a:r>
               <a:rPr kumimoji="1" lang="ja-JP" altLang="en-US" dirty="0"/>
-              <a:t>左図の式</a:t>
-            </a:r>
-            <a:r>
-              <a:rPr kumimoji="1" lang="ja-JP" altLang="en-US" dirty="0" smtClean="0"/>
-              <a:t>をまとめると</a:t>
+              <a:t>左図の式をまとめると</a:t>
             </a:r>
             <a:endParaRPr kumimoji="1" lang="en-US" altLang="ja-JP" dirty="0"/>
           </a:p>
@@ -14122,10 +14059,9 @@
           <a:lstStyle/>
           <a:p>
             <a:r>
-              <a:rPr kumimoji="1" lang="ja-JP" altLang="en-US" dirty="0" smtClean="0"/>
+              <a:rPr kumimoji="1" lang="ja-JP" altLang="en-US" dirty="0"/>
               <a:t>左右に振動</a:t>
             </a:r>
-            <a:endParaRPr kumimoji="1" lang="ja-JP" altLang="en-US" dirty="0"/>
           </a:p>
         </p:txBody>
       </p:sp>
@@ -14198,11 +14134,11 @@
           <a:lstStyle/>
           <a:p>
             <a:r>
-              <a:rPr lang="en-US" altLang="ja-JP" dirty="0" smtClean="0"/>
+              <a:rPr lang="en-US" altLang="ja-JP" dirty="0"/>
               <a:t>0.1m</a:t>
             </a:r>
             <a:r>
-              <a:rPr lang="ja-JP" altLang="en-US" dirty="0" smtClean="0"/>
+              <a:rPr lang="ja-JP" altLang="en-US" dirty="0"/>
               <a:t>引っ張った状態から手を離す</a:t>
             </a:r>
             <a:endParaRPr kumimoji="1" lang="ja-JP" altLang="en-US" dirty="0"/>
@@ -14466,13 +14402,6 @@
   <p:clrMapOvr>
     <a:masterClrMapping/>
   </p:clrMapOvr>
-  <p:timing>
-    <p:tnLst>
-      <p:par>
-        <p:cTn id="1" dur="indefinite" restart="never" nodeType="tmRoot"/>
-      </p:par>
-    </p:tnLst>
-  </p:timing>
 </p:sld>
 </file>
 
@@ -14571,7 +14500,7 @@
           </a:ln>
           <a:extLst>
             <a:ext uri="{C572A759-6A51-4108-AA02-DFA0A04FC94B}">
-              <ma14:wrappingTextBoxFlag xmlns:ma14="http://schemas.microsoft.com/office/mac/drawingml/2011/main" xmlns="" val="1"/>
+              <ma14:wrappingTextBoxFlag xmlns="" xmlns:ma14="http://schemas.microsoft.com/office/mac/drawingml/2011/main" val="1"/>
             </a:ext>
           </a:extLst>
         </p:spPr>
@@ -14590,12 +14519,8 @@
               </a:defRPr>
             </a:pPr>
             <a:r>
-              <a:rPr lang="ja-JP" altLang="en-US" dirty="0" smtClean="0"/>
-              <a:t>解析モデルの</a:t>
-            </a:r>
-            <a:r>
               <a:rPr lang="ja-JP" altLang="en-US" dirty="0"/>
-              <a:t>作成</a:t>
+              <a:t>解析モデルの作成</a:t>
             </a:r>
             <a:endParaRPr lang="en-US" altLang="ja-JP" dirty="0"/>
           </a:p>
@@ -14738,14 +14663,7 @@
                 <a:latin typeface="游ゴシック" panose="020B0400000000000000" pitchFamily="50" charset="-128"/>
                 <a:ea typeface="游ゴシック" panose="020B0400000000000000" pitchFamily="50" charset="-128"/>
               </a:rPr>
-              <a:t>「名前」にクラス名を</a:t>
-            </a:r>
-            <a:r>
-              <a:rPr lang="ja-JP" altLang="en-US" dirty="0" smtClean="0">
-                <a:latin typeface="游ゴシック" panose="020B0400000000000000" pitchFamily="50" charset="-128"/>
-                <a:ea typeface="游ゴシック" panose="020B0400000000000000" pitchFamily="50" charset="-128"/>
-              </a:rPr>
-              <a:t>入力</a:t>
+              <a:t>「名前」にクラス名を入力</a:t>
             </a:r>
             <a:endParaRPr lang="en-US" altLang="ja-JP" dirty="0">
               <a:latin typeface="游ゴシック" panose="020B0400000000000000" pitchFamily="50" charset="-128"/>
@@ -14772,16 +14690,9 @@
                 <a:latin typeface="游ゴシック" panose="020B0400000000000000" pitchFamily="50" charset="-128"/>
                 <a:ea typeface="游ゴシック" panose="020B0400000000000000" pitchFamily="50" charset="-128"/>
               </a:rPr>
-              <a:t>」を</a:t>
-            </a:r>
-            <a:r>
-              <a:rPr kumimoji="1" lang="ja-JP" altLang="en-US" dirty="0" smtClean="0">
-                <a:latin typeface="游ゴシック" panose="020B0400000000000000" pitchFamily="50" charset="-128"/>
-                <a:ea typeface="游ゴシック" panose="020B0400000000000000" pitchFamily="50" charset="-128"/>
-              </a:rPr>
-              <a:t>クリック</a:t>
-            </a:r>
-            <a:endParaRPr kumimoji="1" lang="en-US" altLang="ja-JP" dirty="0" smtClean="0">
+              <a:t>」をクリック</a:t>
+            </a:r>
+            <a:endParaRPr kumimoji="1" lang="en-US" altLang="ja-JP" dirty="0">
               <a:latin typeface="游ゴシック" panose="020B0400000000000000" pitchFamily="50" charset="-128"/>
               <a:ea typeface="游ゴシック" panose="020B0400000000000000" pitchFamily="50" charset="-128"/>
             </a:endParaRPr>
@@ -14947,21 +14858,21 @@
           <a:lstStyle/>
           <a:p>
             <a:r>
-              <a:rPr lang="ja-JP" altLang="en-US" dirty="0" smtClean="0">
+              <a:rPr lang="ja-JP" altLang="en-US" dirty="0">
                 <a:latin typeface="游ゴシック" panose="020B0400000000000000" pitchFamily="50" charset="-128"/>
                 <a:ea typeface="游ゴシック" panose="020B0400000000000000" pitchFamily="50" charset="-128"/>
               </a:rPr>
               <a:t>「</a:t>
             </a:r>
             <a:r>
-              <a:rPr lang="en-US" altLang="ja-JP" dirty="0" smtClean="0">
+              <a:rPr lang="en-US" altLang="ja-JP" dirty="0">
                 <a:latin typeface="游ゴシック" panose="020B0400000000000000" pitchFamily="50" charset="-128"/>
                 <a:ea typeface="游ゴシック" panose="020B0400000000000000" pitchFamily="50" charset="-128"/>
               </a:rPr>
               <a:t>Tutorial1</a:t>
             </a:r>
             <a:r>
-              <a:rPr lang="ja-JP" altLang="en-US" dirty="0" smtClean="0">
+              <a:rPr lang="ja-JP" altLang="en-US" dirty="0">
                 <a:latin typeface="游ゴシック" panose="020B0400000000000000" pitchFamily="50" charset="-128"/>
                 <a:ea typeface="游ゴシック" panose="020B0400000000000000" pitchFamily="50" charset="-128"/>
               </a:rPr>
@@ -15023,34 +14934,22 @@
               <a:rPr lang="ja-JP" altLang="en-US" sz="1400" dirty="0">
                 <a:latin typeface="游ゴシック" panose="020B0400000000000000" pitchFamily="50" charset="-128"/>
               </a:rPr>
-              <a:t>クラス名の頭文字には</a:t>
-            </a:r>
-            <a:r>
-              <a:rPr lang="ja-JP" altLang="en-US" sz="1400" dirty="0" smtClean="0">
+              <a:t>クラス名の頭文字には数字は使用できません。またクラス名には全角文字や一部の特殊文字</a:t>
+            </a:r>
+            <a:r>
+              <a:rPr lang="en-US" altLang="ja-JP" sz="1400" dirty="0">
                 <a:latin typeface="游ゴシック" panose="020B0400000000000000" pitchFamily="50" charset="-128"/>
               </a:rPr>
-              <a:t>数字は使用できません。またクラス名には全角文字や一部</a:t>
+              <a:t>(@</a:t>
             </a:r>
             <a:r>
               <a:rPr lang="ja-JP" altLang="en-US" sz="1400" dirty="0">
                 <a:latin typeface="游ゴシック" panose="020B0400000000000000" pitchFamily="50" charset="-128"/>
               </a:rPr>
-              <a:t>の特殊文字</a:t>
-            </a:r>
-            <a:r>
-              <a:rPr lang="en-US" altLang="ja-JP" sz="1400" dirty="0" smtClean="0">
-                <a:latin typeface="游ゴシック" panose="020B0400000000000000" pitchFamily="50" charset="-128"/>
-              </a:rPr>
-              <a:t>(@</a:t>
-            </a:r>
-            <a:r>
-              <a:rPr lang="ja-JP" altLang="en-US" sz="1400" dirty="0" smtClean="0">
-                <a:latin typeface="游ゴシック" panose="020B0400000000000000" pitchFamily="50" charset="-128"/>
-              </a:rPr>
               <a:t>や</a:t>
             </a:r>
             <a:r>
-              <a:rPr lang="en-US" altLang="ja-JP" sz="1400" dirty="0" smtClean="0">
+              <a:rPr lang="en-US" altLang="ja-JP" sz="1400" dirty="0">
                 <a:latin typeface="游ゴシック" panose="020B0400000000000000" pitchFamily="50" charset="-128"/>
               </a:rPr>
               <a:t>/)</a:t>
@@ -15114,11 +15013,7 @@
             </a:r>
             <a:r>
               <a:rPr lang="ja-JP" altLang="en-US" sz="1200" dirty="0"/>
-              <a:t>と</a:t>
-            </a:r>
-            <a:r>
-              <a:rPr lang="ja-JP" altLang="en-US" sz="1200" dirty="0" smtClean="0"/>
-              <a:t>呼ばれます</a:t>
+              <a:t>と呼ばれます</a:t>
             </a:r>
             <a:endParaRPr lang="en-US" altLang="ja-JP" sz="1200" dirty="0"/>
           </a:p>
@@ -15202,13 +15097,6 @@
   <p:clrMapOvr>
     <a:masterClrMapping/>
   </p:clrMapOvr>
-  <p:timing>
-    <p:tnLst>
-      <p:par>
-        <p:cTn id="1" dur="indefinite" restart="never" nodeType="tmRoot"/>
-      </p:par>
-    </p:tnLst>
-  </p:timing>
 </p:sld>
 </file>
 
@@ -15254,7 +15142,7 @@
           </a:ln>
           <a:extLst>
             <a:ext uri="{C572A759-6A51-4108-AA02-DFA0A04FC94B}">
-              <ma14:wrappingTextBoxFlag xmlns:ma14="http://schemas.microsoft.com/office/mac/drawingml/2011/main" xmlns="" val="1"/>
+              <ma14:wrappingTextBoxFlag xmlns="" xmlns:ma14="http://schemas.microsoft.com/office/mac/drawingml/2011/main" val="1"/>
             </a:ext>
           </a:extLst>
         </p:spPr>
@@ -15317,25 +15205,17 @@
             </a:r>
             <a:r>
               <a:rPr kumimoji="1" lang="en-US" altLang="ja-JP" dirty="0"/>
-              <a:t> – Mechanics – Translational – </a:t>
-            </a:r>
-            <a:r>
-              <a:rPr kumimoji="1" lang="en-US" altLang="ja-JP" dirty="0" smtClean="0"/>
-              <a:t>Components - Fixed</a:t>
+              <a:t> – Mechanics – Translational – Components - Fixed</a:t>
             </a:r>
             <a:r>
               <a:rPr kumimoji="1" lang="ja-JP" altLang="en-US" dirty="0"/>
-              <a:t>をダイアグラムビュー</a:t>
-            </a:r>
-            <a:r>
-              <a:rPr kumimoji="1" lang="ja-JP" altLang="en-US" dirty="0" smtClean="0"/>
-              <a:t>へ</a:t>
-            </a:r>
-            <a:endParaRPr kumimoji="1" lang="en-US" altLang="ja-JP" dirty="0" smtClean="0"/>
-          </a:p>
-          <a:p>
-            <a:r>
-              <a:rPr kumimoji="1" lang="ja-JP" altLang="en-US" dirty="0" smtClean="0"/>
+              <a:t>をダイアグラムビューへ</a:t>
+            </a:r>
+            <a:endParaRPr kumimoji="1" lang="en-US" altLang="ja-JP" dirty="0"/>
+          </a:p>
+          <a:p>
+            <a:r>
+              <a:rPr kumimoji="1" lang="ja-JP" altLang="en-US" dirty="0"/>
               <a:t>ドラッグ</a:t>
             </a:r>
             <a:r>
@@ -15343,10 +15223,9 @@
               <a:t>&amp;</a:t>
             </a:r>
             <a:r>
-              <a:rPr kumimoji="1" lang="ja-JP" altLang="en-US" dirty="0" smtClean="0"/>
+              <a:rPr kumimoji="1" lang="ja-JP" altLang="en-US" dirty="0"/>
               <a:t>ドロップしてください。</a:t>
             </a:r>
-            <a:endParaRPr kumimoji="1" lang="ja-JP" altLang="en-US" dirty="0"/>
           </a:p>
         </p:txBody>
       </p:sp>
@@ -15567,10 +15446,9 @@
             <a:lstStyle/>
             <a:p>
               <a:r>
-                <a:rPr kumimoji="1" lang="ja-JP" altLang="en-US" dirty="0" smtClean="0"/>
+                <a:rPr kumimoji="1" lang="ja-JP" altLang="en-US" dirty="0"/>
                 <a:t>「＋」をクリックすることで中身を開くことができます</a:t>
               </a:r>
-              <a:endParaRPr kumimoji="1" lang="ja-JP" altLang="en-US" dirty="0"/>
             </a:p>
           </p:txBody>
         </p:sp>
@@ -15637,7 +15515,7 @@
             <a:lstStyle/>
             <a:p>
               <a:r>
-                <a:rPr kumimoji="1" lang="ja-JP" altLang="en-US" dirty="0" smtClean="0">
+                <a:rPr kumimoji="1" lang="ja-JP" altLang="en-US" dirty="0">
                   <a:solidFill>
                     <a:schemeClr val="accent1">
                       <a:lumMod val="75000"/>
@@ -15646,13 +15524,6 @@
                 </a:rPr>
                 <a:t>「壁」を表します</a:t>
               </a:r>
-              <a:endParaRPr kumimoji="1" lang="ja-JP" altLang="en-US" dirty="0">
-                <a:solidFill>
-                  <a:schemeClr val="accent1">
-                    <a:lumMod val="75000"/>
-                  </a:schemeClr>
-                </a:solidFill>
-              </a:endParaRPr>
             </a:p>
           </p:txBody>
         </p:sp>
@@ -15706,13 +15577,6 @@
   <p:clrMapOvr>
     <a:masterClrMapping/>
   </p:clrMapOvr>
-  <p:timing>
-    <p:tnLst>
-      <p:par>
-        <p:cTn id="1" dur="indefinite" restart="never" nodeType="tmRoot"/>
-      </p:par>
-    </p:tnLst>
-  </p:timing>
 </p:sld>
 </file>
 
